--- a/Design Report/Images/System Architecture.pptx
+++ b/Design Report/Images/System Architecture.pptx
@@ -5,12 +5,13 @@
     <p:sldMasterId id="2147483648" r:id="rId1"/>
   </p:sldMasterIdLst>
   <p:notesMasterIdLst>
-    <p:notesMasterId r:id="rId5"/>
+    <p:notesMasterId r:id="rId6"/>
   </p:notesMasterIdLst>
   <p:sldIdLst>
     <p:sldId id="258" r:id="rId2"/>
     <p:sldId id="259" r:id="rId3"/>
     <p:sldId id="260" r:id="rId4"/>
+    <p:sldId id="261" r:id="rId5"/>
   </p:sldIdLst>
   <p:sldSz cx="9144000" cy="6858000" type="screen4x3"/>
   <p:notesSz cx="6858000" cy="9144000"/>
@@ -117,6 +118,99 @@
 </p:presentation>
 </file>
 
+<file path=ppt/revisionInfo.xml><?xml version="1.0" encoding="utf-8"?>
+<p1510:revInfo xmlns:a="http://schemas.openxmlformats.org/drawingml/2006/main" xmlns:r="http://schemas.openxmlformats.org/officeDocument/2006/relationships" xmlns:p1510="http://schemas.microsoft.com/office/powerpoint/2015/10/main">
+  <p1510:revLst>
+    <p1510:client id="{45382B0A-09B4-466A-8F84-77D0716B4E94}" v="7" dt="2020-04-12T13:25:37.123"/>
+  </p1510:revLst>
+</p1510:revInfo>
+</file>
+
+<file path=ppt/changesInfos/changesInfo1.xml><?xml version="1.0" encoding="utf-8"?>
+<pc:chgInfo xmlns:a="http://schemas.openxmlformats.org/drawingml/2006/main" xmlns:r="http://schemas.openxmlformats.org/officeDocument/2006/relationships" xmlns:ac="http://schemas.microsoft.com/office/drawing/2013/main/command" xmlns:pc="http://schemas.microsoft.com/office/powerpoint/2013/main/command">
+  <pc:docChgLst>
+    <pc:chgData name="Ramana R" userId="07f7eadc-0a25-47dd-8445-219da704089c" providerId="ADAL" clId="{45382B0A-09B4-466A-8F84-77D0716B4E94}"/>
+    <pc:docChg chg="undo addSld modSld">
+      <pc:chgData name="Ramana R" userId="07f7eadc-0a25-47dd-8445-219da704089c" providerId="ADAL" clId="{45382B0A-09B4-466A-8F84-77D0716B4E94}" dt="2020-04-12T13:26:52.096" v="13" actId="14100"/>
+      <pc:docMkLst>
+        <pc:docMk/>
+      </pc:docMkLst>
+      <pc:sldChg chg="addSp delSp modSp add setBg">
+        <pc:chgData name="Ramana R" userId="07f7eadc-0a25-47dd-8445-219da704089c" providerId="ADAL" clId="{45382B0A-09B4-466A-8F84-77D0716B4E94}" dt="2020-04-12T13:26:52.096" v="13" actId="14100"/>
+        <pc:sldMkLst>
+          <pc:docMk/>
+          <pc:sldMk cId="2635927636" sldId="261"/>
+        </pc:sldMkLst>
+        <pc:spChg chg="add del">
+          <ac:chgData name="Ramana R" userId="07f7eadc-0a25-47dd-8445-219da704089c" providerId="ADAL" clId="{45382B0A-09B4-466A-8F84-77D0716B4E94}" dt="2020-04-12T13:23:59.022" v="5"/>
+          <ac:spMkLst>
+            <pc:docMk/>
+            <pc:sldMk cId="2635927636" sldId="261"/>
+            <ac:spMk id="52" creationId="{7B7A0D88-B8E7-44BE-86B0-61CE26881DB4}"/>
+          </ac:spMkLst>
+        </pc:spChg>
+        <pc:spChg chg="add del">
+          <ac:chgData name="Ramana R" userId="07f7eadc-0a25-47dd-8445-219da704089c" providerId="ADAL" clId="{45382B0A-09B4-466A-8F84-77D0716B4E94}" dt="2020-04-12T13:23:59.022" v="5"/>
+          <ac:spMkLst>
+            <pc:docMk/>
+            <pc:sldMk cId="2635927636" sldId="261"/>
+            <ac:spMk id="53" creationId="{47F5A56B-5B0B-4070-95BF-6D6998A972D0}"/>
+          </ac:spMkLst>
+        </pc:spChg>
+        <pc:spChg chg="add del">
+          <ac:chgData name="Ramana R" userId="07f7eadc-0a25-47dd-8445-219da704089c" providerId="ADAL" clId="{45382B0A-09B4-466A-8F84-77D0716B4E94}" dt="2020-04-12T13:23:59.022" v="5"/>
+          <ac:spMkLst>
+            <pc:docMk/>
+            <pc:sldMk cId="2635927636" sldId="261"/>
+            <ac:spMk id="54" creationId="{5551A8E5-98B7-4953-B725-40F0EF308C73}"/>
+          </ac:spMkLst>
+        </pc:spChg>
+        <pc:spChg chg="add del">
+          <ac:chgData name="Ramana R" userId="07f7eadc-0a25-47dd-8445-219da704089c" providerId="ADAL" clId="{45382B0A-09B4-466A-8F84-77D0716B4E94}" dt="2020-04-12T13:23:59.022" v="5"/>
+          <ac:spMkLst>
+            <pc:docMk/>
+            <pc:sldMk cId="2635927636" sldId="261"/>
+            <ac:spMk id="55" creationId="{E689AB39-719E-47F3-ACD6-9E7DE7DF21D8}"/>
+          </ac:spMkLst>
+        </pc:spChg>
+        <pc:spChg chg="add del">
+          <ac:chgData name="Ramana R" userId="07f7eadc-0a25-47dd-8445-219da704089c" providerId="ADAL" clId="{45382B0A-09B4-466A-8F84-77D0716B4E94}" dt="2020-04-12T13:23:59.022" v="5"/>
+          <ac:spMkLst>
+            <pc:docMk/>
+            <pc:sldMk cId="2635927636" sldId="261"/>
+            <ac:spMk id="56" creationId="{A0319B95-982F-4862-A2EC-46B3BB26B252}"/>
+          </ac:spMkLst>
+        </pc:spChg>
+        <pc:graphicFrameChg chg="add del">
+          <ac:chgData name="Ramana R" userId="07f7eadc-0a25-47dd-8445-219da704089c" providerId="ADAL" clId="{45382B0A-09B4-466A-8F84-77D0716B4E94}" dt="2020-04-12T13:23:59.022" v="5"/>
+          <ac:graphicFrameMkLst>
+            <pc:docMk/>
+            <pc:sldMk cId="2635927636" sldId="261"/>
+            <ac:graphicFrameMk id="7" creationId="{27C31CDC-F87A-4094-8082-50EFEA77138F}"/>
+          </ac:graphicFrameMkLst>
+        </pc:graphicFrameChg>
+        <pc:picChg chg="add mod">
+          <ac:chgData name="Ramana R" userId="07f7eadc-0a25-47dd-8445-219da704089c" providerId="ADAL" clId="{45382B0A-09B4-466A-8F84-77D0716B4E94}" dt="2020-04-12T13:25:50.718" v="10" actId="14100"/>
+          <ac:picMkLst>
+            <pc:docMk/>
+            <pc:sldMk cId="2635927636" sldId="261"/>
+            <ac:picMk id="31" creationId="{3007DE8A-D1E3-48A2-A68D-C23E58C2D95C}"/>
+          </ac:picMkLst>
+        </pc:picChg>
+        <pc:cxnChg chg="mod">
+          <ac:chgData name="Ramana R" userId="07f7eadc-0a25-47dd-8445-219da704089c" providerId="ADAL" clId="{45382B0A-09B4-466A-8F84-77D0716B4E94}" dt="2020-04-12T13:26:52.096" v="13" actId="14100"/>
+          <ac:cxnSpMkLst>
+            <pc:docMk/>
+            <pc:sldMk cId="2635927636" sldId="261"/>
+            <ac:cxnSpMk id="204" creationId="{CF9FE627-3102-4D4C-9039-B130E8FF6A7A}"/>
+          </ac:cxnSpMkLst>
+        </pc:cxnChg>
+      </pc:sldChg>
+    </pc:docChg>
+  </pc:docChgLst>
+</pc:chgInfo>
+</file>
+
 <file path=ppt/notesMasters/notesMaster1.xml><?xml version="1.0" encoding="utf-8"?>
 <p:notesMaster xmlns:a="http://schemas.openxmlformats.org/drawingml/2006/main" xmlns:r="http://schemas.openxmlformats.org/officeDocument/2006/relationships" xmlns:p="http://schemas.openxmlformats.org/presentationml/2006/main">
   <p:cSld>
@@ -199,7 +293,7 @@
           <a:p>
             <a:fld id="{F93D86D1-1018-4D8E-A3E9-45D7E3CC4314}" type="datetimeFigureOut">
               <a:rPr lang="en-US" smtClean="0"/>
-              <a:t>3/23/2020</a:t>
+              <a:t>4/12/2020</a:t>
             </a:fld>
             <a:endParaRPr lang="en-US"/>
           </a:p>
@@ -634,6 +728,90 @@
 </p:notes>
 </file>
 
+<file path=ppt/notesSlides/notesSlide3.xml><?xml version="1.0" encoding="utf-8"?>
+<p:notes xmlns:a="http://schemas.openxmlformats.org/drawingml/2006/main" xmlns:r="http://schemas.openxmlformats.org/officeDocument/2006/relationships" xmlns:p="http://schemas.openxmlformats.org/presentationml/2006/main">
+  <p:cSld>
+    <p:spTree>
+      <p:nvGrpSpPr>
+        <p:cNvPr id="1" name=""/>
+        <p:cNvGrpSpPr/>
+        <p:nvPr/>
+      </p:nvGrpSpPr>
+      <p:grpSpPr>
+        <a:xfrm>
+          <a:off x="0" y="0"/>
+          <a:ext cx="0" cy="0"/>
+          <a:chOff x="0" y="0"/>
+          <a:chExt cx="0" cy="0"/>
+        </a:xfrm>
+      </p:grpSpPr>
+      <p:sp>
+        <p:nvSpPr>
+          <p:cNvPr id="2" name="Slide Image Placeholder 1"/>
+          <p:cNvSpPr>
+            <a:spLocks noGrp="1" noRot="1" noChangeAspect="1"/>
+          </p:cNvSpPr>
+          <p:nvPr>
+            <p:ph type="sldImg"/>
+          </p:nvPr>
+        </p:nvSpPr>
+        <p:spPr/>
+      </p:sp>
+      <p:sp>
+        <p:nvSpPr>
+          <p:cNvPr id="3" name="Notes Placeholder 2"/>
+          <p:cNvSpPr>
+            <a:spLocks noGrp="1"/>
+          </p:cNvSpPr>
+          <p:nvPr>
+            <p:ph type="body" idx="1"/>
+          </p:nvPr>
+        </p:nvSpPr>
+        <p:spPr/>
+        <p:txBody>
+          <a:bodyPr/>
+          <a:lstStyle/>
+          <a:p>
+            <a:endParaRPr lang="en-US" dirty="0"/>
+          </a:p>
+        </p:txBody>
+      </p:sp>
+      <p:sp>
+        <p:nvSpPr>
+          <p:cNvPr id="4" name="Slide Number Placeholder 3"/>
+          <p:cNvSpPr>
+            <a:spLocks noGrp="1"/>
+          </p:cNvSpPr>
+          <p:nvPr>
+            <p:ph type="sldNum" sz="quarter" idx="5"/>
+          </p:nvPr>
+        </p:nvSpPr>
+        <p:spPr/>
+        <p:txBody>
+          <a:bodyPr/>
+          <a:lstStyle/>
+          <a:p>
+            <a:fld id="{F37B14CA-C0F7-4D80-B124-431D25F9D76D}" type="slidenum">
+              <a:rPr lang="en-US" smtClean="0"/>
+              <a:t>4</a:t>
+            </a:fld>
+            <a:endParaRPr lang="en-US"/>
+          </a:p>
+        </p:txBody>
+      </p:sp>
+    </p:spTree>
+    <p:extLst>
+      <p:ext uri="{BB962C8B-B14F-4D97-AF65-F5344CB8AC3E}">
+        <p14:creationId xmlns:p14="http://schemas.microsoft.com/office/powerpoint/2010/main" val="133874007"/>
+      </p:ext>
+    </p:extLst>
+  </p:cSld>
+  <p:clrMapOvr>
+    <a:masterClrMapping/>
+  </p:clrMapOvr>
+</p:notes>
+</file>
+
 <file path=ppt/slideLayouts/slideLayout1.xml><?xml version="1.0" encoding="utf-8"?>
 <p:sldLayout xmlns:a="http://schemas.openxmlformats.org/drawingml/2006/main" xmlns:r="http://schemas.openxmlformats.org/officeDocument/2006/relationships" xmlns:p="http://schemas.openxmlformats.org/presentationml/2006/main" type="title" preserve="1">
   <p:cSld name="Title Slide">
@@ -815,7 +993,7 @@
           <a:p>
             <a:fld id="{DAC8CD63-E580-416A-96D8-E440D0E985CF}" type="datetimeFigureOut">
               <a:rPr lang="en-SG" smtClean="0"/>
-              <a:t>23/3/2020</a:t>
+              <a:t>12/4/2020</a:t>
             </a:fld>
             <a:endParaRPr lang="en-SG"/>
           </a:p>
@@ -985,7 +1163,7 @@
           <a:p>
             <a:fld id="{DAC8CD63-E580-416A-96D8-E440D0E985CF}" type="datetimeFigureOut">
               <a:rPr lang="en-SG" smtClean="0"/>
-              <a:t>23/3/2020</a:t>
+              <a:t>12/4/2020</a:t>
             </a:fld>
             <a:endParaRPr lang="en-SG"/>
           </a:p>
@@ -1165,7 +1343,7 @@
           <a:p>
             <a:fld id="{DAC8CD63-E580-416A-96D8-E440D0E985CF}" type="datetimeFigureOut">
               <a:rPr lang="en-SG" smtClean="0"/>
-              <a:t>23/3/2020</a:t>
+              <a:t>12/4/2020</a:t>
             </a:fld>
             <a:endParaRPr lang="en-SG"/>
           </a:p>
@@ -1335,7 +1513,7 @@
           <a:p>
             <a:fld id="{DAC8CD63-E580-416A-96D8-E440D0E985CF}" type="datetimeFigureOut">
               <a:rPr lang="en-SG" smtClean="0"/>
-              <a:t>23/3/2020</a:t>
+              <a:t>12/4/2020</a:t>
             </a:fld>
             <a:endParaRPr lang="en-SG"/>
           </a:p>
@@ -1581,7 +1759,7 @@
           <a:p>
             <a:fld id="{DAC8CD63-E580-416A-96D8-E440D0E985CF}" type="datetimeFigureOut">
               <a:rPr lang="en-SG" smtClean="0"/>
-              <a:t>23/3/2020</a:t>
+              <a:t>12/4/2020</a:t>
             </a:fld>
             <a:endParaRPr lang="en-SG"/>
           </a:p>
@@ -1869,7 +2047,7 @@
           <a:p>
             <a:fld id="{DAC8CD63-E580-416A-96D8-E440D0E985CF}" type="datetimeFigureOut">
               <a:rPr lang="en-SG" smtClean="0"/>
-              <a:t>23/3/2020</a:t>
+              <a:t>12/4/2020</a:t>
             </a:fld>
             <a:endParaRPr lang="en-SG"/>
           </a:p>
@@ -2291,7 +2469,7 @@
           <a:p>
             <a:fld id="{DAC8CD63-E580-416A-96D8-E440D0E985CF}" type="datetimeFigureOut">
               <a:rPr lang="en-SG" smtClean="0"/>
-              <a:t>23/3/2020</a:t>
+              <a:t>12/4/2020</a:t>
             </a:fld>
             <a:endParaRPr lang="en-SG"/>
           </a:p>
@@ -2409,7 +2587,7 @@
           <a:p>
             <a:fld id="{DAC8CD63-E580-416A-96D8-E440D0E985CF}" type="datetimeFigureOut">
               <a:rPr lang="en-SG" smtClean="0"/>
-              <a:t>23/3/2020</a:t>
+              <a:t>12/4/2020</a:t>
             </a:fld>
             <a:endParaRPr lang="en-SG"/>
           </a:p>
@@ -2504,7 +2682,7 @@
           <a:p>
             <a:fld id="{DAC8CD63-E580-416A-96D8-E440D0E985CF}" type="datetimeFigureOut">
               <a:rPr lang="en-SG" smtClean="0"/>
-              <a:t>23/3/2020</a:t>
+              <a:t>12/4/2020</a:t>
             </a:fld>
             <a:endParaRPr lang="en-SG"/>
           </a:p>
@@ -2781,7 +2959,7 @@
           <a:p>
             <a:fld id="{DAC8CD63-E580-416A-96D8-E440D0E985CF}" type="datetimeFigureOut">
               <a:rPr lang="en-SG" smtClean="0"/>
-              <a:t>23/3/2020</a:t>
+              <a:t>12/4/2020</a:t>
             </a:fld>
             <a:endParaRPr lang="en-SG"/>
           </a:p>
@@ -3034,7 +3212,7 @@
           <a:p>
             <a:fld id="{DAC8CD63-E580-416A-96D8-E440D0E985CF}" type="datetimeFigureOut">
               <a:rPr lang="en-SG" smtClean="0"/>
-              <a:t>23/3/2020</a:t>
+              <a:t>12/4/2020</a:t>
             </a:fld>
             <a:endParaRPr lang="en-SG"/>
           </a:p>
@@ -3247,7 +3425,7 @@
           <a:p>
             <a:fld id="{DAC8CD63-E580-416A-96D8-E440D0E985CF}" type="datetimeFigureOut">
               <a:rPr lang="en-SG" smtClean="0"/>
-              <a:t>23/3/2020</a:t>
+              <a:t>12/4/2020</a:t>
             </a:fld>
             <a:endParaRPr lang="en-SG"/>
           </a:p>
@@ -10036,6 +10214,2289 @@
           <p:nvPr/>
         </p:nvPicPr>
         <p:blipFill>
+          <a:blip r:embed="rId3"/>
+          <a:stretch>
+            <a:fillRect/>
+          </a:stretch>
+        </p:blipFill>
+        <p:spPr>
+          <a:xfrm>
+            <a:off x="216144" y="317746"/>
+            <a:ext cx="1545722" cy="2087521"/>
+          </a:xfrm>
+          <a:prstGeom prst="rect">
+            <a:avLst/>
+          </a:prstGeom>
+        </p:spPr>
+      </p:pic>
+    </p:spTree>
+    <p:extLst>
+      <p:ext uri="{BB962C8B-B14F-4D97-AF65-F5344CB8AC3E}">
+        <p14:creationId xmlns:p14="http://schemas.microsoft.com/office/powerpoint/2010/main" val="1776893679"/>
+      </p:ext>
+    </p:extLst>
+  </p:cSld>
+  <p:clrMapOvr>
+    <a:masterClrMapping/>
+  </p:clrMapOvr>
+</p:sld>
+</file>
+
+<file path=ppt/slides/slide4.xml><?xml version="1.0" encoding="utf-8"?>
+<p:sld xmlns:a="http://schemas.openxmlformats.org/drawingml/2006/main" xmlns:r="http://schemas.openxmlformats.org/officeDocument/2006/relationships" xmlns:p="http://schemas.openxmlformats.org/presentationml/2006/main">
+  <p:cSld>
+    <p:bg>
+      <p:bgPr>
+        <a:solidFill>
+          <a:schemeClr val="tx1"/>
+        </a:solidFill>
+        <a:effectLst/>
+      </p:bgPr>
+    </p:bg>
+    <p:spTree>
+      <p:nvGrpSpPr>
+        <p:cNvPr id="1" name=""/>
+        <p:cNvGrpSpPr/>
+        <p:nvPr/>
+      </p:nvGrpSpPr>
+      <p:grpSpPr>
+        <a:xfrm>
+          <a:off x="0" y="0"/>
+          <a:ext cx="0" cy="0"/>
+          <a:chOff x="0" y="0"/>
+          <a:chExt cx="0" cy="0"/>
+        </a:xfrm>
+      </p:grpSpPr>
+      <p:sp>
+        <p:nvSpPr>
+          <p:cNvPr id="2" name="Cube 1">
+            <a:extLst>
+              <a:ext uri="{FF2B5EF4-FFF2-40B4-BE49-F238E27FC236}">
+                <a16:creationId xmlns:a16="http://schemas.microsoft.com/office/drawing/2014/main" id="{01B23D58-EC09-401B-9CF5-E7DB3FB4BA05}"/>
+              </a:ext>
+            </a:extLst>
+          </p:cNvPr>
+          <p:cNvSpPr/>
+          <p:nvPr/>
+        </p:nvSpPr>
+        <p:spPr>
+          <a:xfrm>
+            <a:off x="4283969" y="2242639"/>
+            <a:ext cx="1224136" cy="1293109"/>
+          </a:xfrm>
+          <a:prstGeom prst="cube">
+            <a:avLst>
+              <a:gd name="adj" fmla="val 6868"/>
+            </a:avLst>
+          </a:prstGeom>
+          <a:ln/>
+        </p:spPr>
+        <p:style>
+          <a:lnRef idx="2">
+            <a:schemeClr val="dk1"/>
+          </a:lnRef>
+          <a:fillRef idx="1">
+            <a:schemeClr val="lt1"/>
+          </a:fillRef>
+          <a:effectRef idx="0">
+            <a:schemeClr val="dk1"/>
+          </a:effectRef>
+          <a:fontRef idx="minor">
+            <a:schemeClr val="dk1"/>
+          </a:fontRef>
+        </p:style>
+        <p:txBody>
+          <a:bodyPr rtlCol="0" anchor="t"/>
+          <a:lstStyle/>
+          <a:p>
+            <a:pPr algn="ctr"/>
+            <a:r>
+              <a:rPr lang="en-US" sz="1100" b="1" dirty="0">
+                <a:solidFill>
+                  <a:schemeClr val="tx1"/>
+                </a:solidFill>
+              </a:rPr>
+              <a:t>&lt;&lt;Arduino&gt;&gt;</a:t>
+            </a:r>
+          </a:p>
+          <a:p>
+            <a:pPr algn="ctr"/>
+            <a:endParaRPr lang="en-US" sz="1100" b="1" dirty="0">
+              <a:solidFill>
+                <a:schemeClr val="tx1"/>
+              </a:solidFill>
+            </a:endParaRPr>
+          </a:p>
+          <a:p>
+            <a:pPr algn="ctr"/>
+            <a:endParaRPr lang="en-US" sz="1100" b="1" dirty="0">
+              <a:solidFill>
+                <a:schemeClr val="tx1"/>
+              </a:solidFill>
+            </a:endParaRPr>
+          </a:p>
+        </p:txBody>
+      </p:sp>
+      <p:sp>
+        <p:nvSpPr>
+          <p:cNvPr id="3" name="Cube 2">
+            <a:extLst>
+              <a:ext uri="{FF2B5EF4-FFF2-40B4-BE49-F238E27FC236}">
+                <a16:creationId xmlns:a16="http://schemas.microsoft.com/office/drawing/2014/main" id="{B0ACBCEE-C696-444E-9A42-49F389D53E9E}"/>
+              </a:ext>
+            </a:extLst>
+          </p:cNvPr>
+          <p:cNvSpPr/>
+          <p:nvPr/>
+        </p:nvSpPr>
+        <p:spPr>
+          <a:xfrm>
+            <a:off x="1974520" y="1773131"/>
+            <a:ext cx="1302018" cy="657001"/>
+          </a:xfrm>
+          <a:prstGeom prst="cube">
+            <a:avLst>
+              <a:gd name="adj" fmla="val 6868"/>
+            </a:avLst>
+          </a:prstGeom>
+          <a:ln/>
+        </p:spPr>
+        <p:style>
+          <a:lnRef idx="1">
+            <a:schemeClr val="accent4"/>
+          </a:lnRef>
+          <a:fillRef idx="2">
+            <a:schemeClr val="accent4"/>
+          </a:fillRef>
+          <a:effectRef idx="1">
+            <a:schemeClr val="accent4"/>
+          </a:effectRef>
+          <a:fontRef idx="minor">
+            <a:schemeClr val="dk1"/>
+          </a:fontRef>
+        </p:style>
+        <p:txBody>
+          <a:bodyPr rtlCol="0" anchor="ctr"/>
+          <a:lstStyle/>
+          <a:p>
+            <a:pPr algn="ctr"/>
+            <a:r>
+              <a:rPr lang="en-US" sz="1000" b="1" dirty="0">
+                <a:solidFill>
+                  <a:schemeClr val="tx1"/>
+                </a:solidFill>
+              </a:rPr>
+              <a:t>&lt;&lt;Motor Driver&gt;&gt;</a:t>
+            </a:r>
+          </a:p>
+          <a:p>
+            <a:pPr algn="ctr"/>
+            <a:r>
+              <a:rPr lang="en-US" sz="1000" b="1" dirty="0">
+                <a:solidFill>
+                  <a:schemeClr val="tx1"/>
+                </a:solidFill>
+              </a:rPr>
+              <a:t>Driver Chip</a:t>
+            </a:r>
+          </a:p>
+        </p:txBody>
+      </p:sp>
+      <p:cxnSp>
+        <p:nvCxnSpPr>
+          <p:cNvPr id="4" name="Straight Connector 3">
+            <a:extLst>
+              <a:ext uri="{FF2B5EF4-FFF2-40B4-BE49-F238E27FC236}">
+                <a16:creationId xmlns:a16="http://schemas.microsoft.com/office/drawing/2014/main" id="{1BBAB0F6-9E5D-463E-8605-BA9451692D10}"/>
+              </a:ext>
+            </a:extLst>
+          </p:cNvPr>
+          <p:cNvCxnSpPr>
+            <a:cxnSpLocks/>
+          </p:cNvCxnSpPr>
+          <p:nvPr/>
+        </p:nvCxnSpPr>
+        <p:spPr>
+          <a:xfrm>
+            <a:off x="3276274" y="2139626"/>
+            <a:ext cx="1137708" cy="632117"/>
+          </a:xfrm>
+          <a:prstGeom prst="line">
+            <a:avLst/>
+          </a:prstGeom>
+          <a:ln w="19050">
+            <a:solidFill>
+              <a:schemeClr val="bg1"/>
+            </a:solidFill>
+          </a:ln>
+        </p:spPr>
+        <p:style>
+          <a:lnRef idx="1">
+            <a:schemeClr val="accent1"/>
+          </a:lnRef>
+          <a:fillRef idx="0">
+            <a:schemeClr val="accent1"/>
+          </a:fillRef>
+          <a:effectRef idx="0">
+            <a:schemeClr val="accent1"/>
+          </a:effectRef>
+          <a:fontRef idx="minor">
+            <a:schemeClr val="tx1"/>
+          </a:fontRef>
+        </p:style>
+      </p:cxnSp>
+      <p:sp>
+        <p:nvSpPr>
+          <p:cNvPr id="6" name="Cube 5">
+            <a:extLst>
+              <a:ext uri="{FF2B5EF4-FFF2-40B4-BE49-F238E27FC236}">
+                <a16:creationId xmlns:a16="http://schemas.microsoft.com/office/drawing/2014/main" id="{49FBECF7-CE0E-43A7-A791-2B5176DD613A}"/>
+              </a:ext>
+            </a:extLst>
+          </p:cNvPr>
+          <p:cNvSpPr/>
+          <p:nvPr/>
+        </p:nvSpPr>
+        <p:spPr>
+          <a:xfrm>
+            <a:off x="1194881" y="3475700"/>
+            <a:ext cx="1056329" cy="667062"/>
+          </a:xfrm>
+          <a:prstGeom prst="cube">
+            <a:avLst>
+              <a:gd name="adj" fmla="val 6868"/>
+            </a:avLst>
+          </a:prstGeom>
+          <a:ln/>
+        </p:spPr>
+        <p:style>
+          <a:lnRef idx="1">
+            <a:schemeClr val="accent3"/>
+          </a:lnRef>
+          <a:fillRef idx="2">
+            <a:schemeClr val="accent3"/>
+          </a:fillRef>
+          <a:effectRef idx="1">
+            <a:schemeClr val="accent3"/>
+          </a:effectRef>
+          <a:fontRef idx="minor">
+            <a:schemeClr val="dk1"/>
+          </a:fontRef>
+        </p:style>
+        <p:txBody>
+          <a:bodyPr rtlCol="0" anchor="ctr"/>
+          <a:lstStyle/>
+          <a:p>
+            <a:pPr algn="ctr"/>
+            <a:r>
+              <a:rPr lang="en-US" sz="1000" b="1" dirty="0">
+                <a:solidFill>
+                  <a:schemeClr val="tx1"/>
+                </a:solidFill>
+              </a:rPr>
+              <a:t>Wheel Encoder(left)</a:t>
+            </a:r>
+          </a:p>
+        </p:txBody>
+      </p:sp>
+      <p:sp>
+        <p:nvSpPr>
+          <p:cNvPr id="8" name="TextBox 7">
+            <a:extLst>
+              <a:ext uri="{FF2B5EF4-FFF2-40B4-BE49-F238E27FC236}">
+                <a16:creationId xmlns:a16="http://schemas.microsoft.com/office/drawing/2014/main" id="{FBC2C2AB-2989-4107-AF93-24041FA5BE5A}"/>
+              </a:ext>
+            </a:extLst>
+          </p:cNvPr>
+          <p:cNvSpPr txBox="1"/>
+          <p:nvPr/>
+        </p:nvSpPr>
+        <p:spPr>
+          <a:xfrm>
+            <a:off x="3186960" y="2469652"/>
+            <a:ext cx="740908" cy="230832"/>
+          </a:xfrm>
+          <a:prstGeom prst="rect">
+            <a:avLst/>
+          </a:prstGeom>
+          <a:noFill/>
+        </p:spPr>
+        <p:txBody>
+          <a:bodyPr wrap="none" rtlCol="0">
+            <a:spAutoFit/>
+          </a:bodyPr>
+          <a:lstStyle/>
+          <a:p>
+            <a:r>
+              <a:rPr lang="en-US" sz="900" dirty="0">
+                <a:solidFill>
+                  <a:schemeClr val="bg1"/>
+                </a:solidFill>
+              </a:rPr>
+              <a:t>PWM signal</a:t>
+            </a:r>
+          </a:p>
+        </p:txBody>
+      </p:sp>
+      <p:sp>
+        <p:nvSpPr>
+          <p:cNvPr id="9" name="Cube 8">
+            <a:extLst>
+              <a:ext uri="{FF2B5EF4-FFF2-40B4-BE49-F238E27FC236}">
+                <a16:creationId xmlns:a16="http://schemas.microsoft.com/office/drawing/2014/main" id="{0194FB85-1251-48EF-AD3B-B19C63D2CCA5}"/>
+              </a:ext>
+            </a:extLst>
+          </p:cNvPr>
+          <p:cNvSpPr/>
+          <p:nvPr/>
+        </p:nvSpPr>
+        <p:spPr>
+          <a:xfrm>
+            <a:off x="6791972" y="2187574"/>
+            <a:ext cx="1595873" cy="1425198"/>
+          </a:xfrm>
+          <a:prstGeom prst="cube">
+            <a:avLst>
+              <a:gd name="adj" fmla="val 6868"/>
+            </a:avLst>
+          </a:prstGeom>
+          <a:ln/>
+        </p:spPr>
+        <p:style>
+          <a:lnRef idx="2">
+            <a:schemeClr val="dk1"/>
+          </a:lnRef>
+          <a:fillRef idx="1">
+            <a:schemeClr val="lt1"/>
+          </a:fillRef>
+          <a:effectRef idx="0">
+            <a:schemeClr val="dk1"/>
+          </a:effectRef>
+          <a:fontRef idx="minor">
+            <a:schemeClr val="dk1"/>
+          </a:fontRef>
+        </p:style>
+        <p:txBody>
+          <a:bodyPr rtlCol="0" anchor="t"/>
+          <a:lstStyle/>
+          <a:p>
+            <a:pPr algn="ctr"/>
+            <a:r>
+              <a:rPr lang="en-US" sz="1100" b="1" dirty="0">
+                <a:solidFill>
+                  <a:schemeClr val="tx1"/>
+                </a:solidFill>
+              </a:rPr>
+              <a:t>&lt;&lt;Pi&gt;&gt;</a:t>
+            </a:r>
+          </a:p>
+        </p:txBody>
+      </p:sp>
+      <p:cxnSp>
+        <p:nvCxnSpPr>
+          <p:cNvPr id="10" name="Straight Arrow Connector 9">
+            <a:extLst>
+              <a:ext uri="{FF2B5EF4-FFF2-40B4-BE49-F238E27FC236}">
+                <a16:creationId xmlns:a16="http://schemas.microsoft.com/office/drawing/2014/main" id="{BA51EFFD-2214-4784-BB43-B0A57FC866B8}"/>
+              </a:ext>
+            </a:extLst>
+          </p:cNvPr>
+          <p:cNvCxnSpPr>
+            <a:cxnSpLocks/>
+          </p:cNvCxnSpPr>
+          <p:nvPr/>
+        </p:nvCxnSpPr>
+        <p:spPr>
+          <a:xfrm>
+            <a:off x="5572107" y="2537238"/>
+            <a:ext cx="1067052" cy="0"/>
+          </a:xfrm>
+          <a:prstGeom prst="straightConnector1">
+            <a:avLst/>
+          </a:prstGeom>
+          <a:ln>
+            <a:tailEnd type="triangle"/>
+          </a:ln>
+        </p:spPr>
+        <p:style>
+          <a:lnRef idx="1">
+            <a:schemeClr val="accent1"/>
+          </a:lnRef>
+          <a:fillRef idx="0">
+            <a:schemeClr val="accent1"/>
+          </a:fillRef>
+          <a:effectRef idx="0">
+            <a:schemeClr val="accent1"/>
+          </a:effectRef>
+          <a:fontRef idx="minor">
+            <a:schemeClr val="tx1"/>
+          </a:fontRef>
+        </p:style>
+      </p:cxnSp>
+      <p:cxnSp>
+        <p:nvCxnSpPr>
+          <p:cNvPr id="11" name="Straight Arrow Connector 10">
+            <a:extLst>
+              <a:ext uri="{FF2B5EF4-FFF2-40B4-BE49-F238E27FC236}">
+                <a16:creationId xmlns:a16="http://schemas.microsoft.com/office/drawing/2014/main" id="{578F6B92-F05C-4474-B15C-3B128C9456E5}"/>
+              </a:ext>
+            </a:extLst>
+          </p:cNvPr>
+          <p:cNvCxnSpPr>
+            <a:cxnSpLocks/>
+          </p:cNvCxnSpPr>
+          <p:nvPr/>
+        </p:nvCxnSpPr>
+        <p:spPr>
+          <a:xfrm flipH="1">
+            <a:off x="5546849" y="2661387"/>
+            <a:ext cx="1092310" cy="1"/>
+          </a:xfrm>
+          <a:prstGeom prst="straightConnector1">
+            <a:avLst/>
+          </a:prstGeom>
+          <a:ln>
+            <a:tailEnd type="triangle"/>
+          </a:ln>
+        </p:spPr>
+        <p:style>
+          <a:lnRef idx="1">
+            <a:schemeClr val="accent1"/>
+          </a:lnRef>
+          <a:fillRef idx="0">
+            <a:schemeClr val="accent1"/>
+          </a:fillRef>
+          <a:effectRef idx="0">
+            <a:schemeClr val="accent1"/>
+          </a:effectRef>
+          <a:fontRef idx="minor">
+            <a:schemeClr val="tx1"/>
+          </a:fontRef>
+        </p:style>
+      </p:cxnSp>
+      <p:sp>
+        <p:nvSpPr>
+          <p:cNvPr id="12" name="TextBox 11">
+            <a:extLst>
+              <a:ext uri="{FF2B5EF4-FFF2-40B4-BE49-F238E27FC236}">
+                <a16:creationId xmlns:a16="http://schemas.microsoft.com/office/drawing/2014/main" id="{8E4ED1FC-FC22-415C-8672-E1969149F378}"/>
+              </a:ext>
+            </a:extLst>
+          </p:cNvPr>
+          <p:cNvSpPr txBox="1"/>
+          <p:nvPr/>
+        </p:nvSpPr>
+        <p:spPr>
+          <a:xfrm>
+            <a:off x="5601785" y="2306033"/>
+            <a:ext cx="1007695" cy="230832"/>
+          </a:xfrm>
+          <a:prstGeom prst="rect">
+            <a:avLst/>
+          </a:prstGeom>
+          <a:noFill/>
+        </p:spPr>
+        <p:txBody>
+          <a:bodyPr wrap="square" rtlCol="0">
+            <a:spAutoFit/>
+          </a:bodyPr>
+          <a:lstStyle/>
+          <a:p>
+            <a:r>
+              <a:rPr lang="en-US" sz="900" dirty="0">
+                <a:solidFill>
+                  <a:schemeClr val="bg1"/>
+                </a:solidFill>
+              </a:rPr>
+              <a:t>Wheel speed</a:t>
+            </a:r>
+          </a:p>
+        </p:txBody>
+      </p:sp>
+      <p:sp>
+        <p:nvSpPr>
+          <p:cNvPr id="13" name="TextBox 12">
+            <a:extLst>
+              <a:ext uri="{FF2B5EF4-FFF2-40B4-BE49-F238E27FC236}">
+                <a16:creationId xmlns:a16="http://schemas.microsoft.com/office/drawing/2014/main" id="{926D9CB9-D047-4328-95A3-6D992EE5DC8A}"/>
+              </a:ext>
+            </a:extLst>
+          </p:cNvPr>
+          <p:cNvSpPr txBox="1"/>
+          <p:nvPr/>
+        </p:nvSpPr>
+        <p:spPr>
+          <a:xfrm>
+            <a:off x="5440687" y="2626276"/>
+            <a:ext cx="1226618" cy="369332"/>
+          </a:xfrm>
+          <a:prstGeom prst="rect">
+            <a:avLst/>
+          </a:prstGeom>
+          <a:noFill/>
+        </p:spPr>
+        <p:txBody>
+          <a:bodyPr wrap="none" rtlCol="0">
+            <a:spAutoFit/>
+          </a:bodyPr>
+          <a:lstStyle/>
+          <a:p>
+            <a:pPr algn="ctr"/>
+            <a:r>
+              <a:rPr lang="en-US" sz="900" dirty="0">
+                <a:solidFill>
+                  <a:schemeClr val="bg1"/>
+                </a:solidFill>
+              </a:rPr>
+              <a:t>Instructions to control</a:t>
+            </a:r>
+          </a:p>
+          <a:p>
+            <a:pPr algn="ctr"/>
+            <a:r>
+              <a:rPr lang="en-US" sz="900" dirty="0">
+                <a:solidFill>
+                  <a:schemeClr val="bg1"/>
+                </a:solidFill>
+              </a:rPr>
+              <a:t>motor speed</a:t>
+            </a:r>
+          </a:p>
+        </p:txBody>
+      </p:sp>
+      <p:sp>
+        <p:nvSpPr>
+          <p:cNvPr id="14" name="Cube 13">
+            <a:extLst>
+              <a:ext uri="{FF2B5EF4-FFF2-40B4-BE49-F238E27FC236}">
+                <a16:creationId xmlns:a16="http://schemas.microsoft.com/office/drawing/2014/main" id="{0039FA98-3C2D-4544-BD74-CD0F6828BCC6}"/>
+              </a:ext>
+            </a:extLst>
+          </p:cNvPr>
+          <p:cNvSpPr/>
+          <p:nvPr/>
+        </p:nvSpPr>
+        <p:spPr>
+          <a:xfrm>
+            <a:off x="6804248" y="4626419"/>
+            <a:ext cx="1595873" cy="731936"/>
+          </a:xfrm>
+          <a:prstGeom prst="cube">
+            <a:avLst>
+              <a:gd name="adj" fmla="val 6868"/>
+            </a:avLst>
+          </a:prstGeom>
+          <a:ln/>
+        </p:spPr>
+        <p:style>
+          <a:lnRef idx="1">
+            <a:schemeClr val="accent1"/>
+          </a:lnRef>
+          <a:fillRef idx="2">
+            <a:schemeClr val="accent1"/>
+          </a:fillRef>
+          <a:effectRef idx="1">
+            <a:schemeClr val="accent1"/>
+          </a:effectRef>
+          <a:fontRef idx="minor">
+            <a:schemeClr val="dk1"/>
+          </a:fontRef>
+        </p:style>
+        <p:txBody>
+          <a:bodyPr rtlCol="0" anchor="ctr"/>
+          <a:lstStyle/>
+          <a:p>
+            <a:pPr algn="ctr"/>
+            <a:r>
+              <a:rPr lang="en-US" sz="1050" b="1" dirty="0">
+                <a:solidFill>
+                  <a:schemeClr val="tx1"/>
+                </a:solidFill>
+              </a:rPr>
+              <a:t>LIDAR</a:t>
+            </a:r>
+          </a:p>
+        </p:txBody>
+      </p:sp>
+      <p:cxnSp>
+        <p:nvCxnSpPr>
+          <p:cNvPr id="15" name="Straight Arrow Connector 14">
+            <a:extLst>
+              <a:ext uri="{FF2B5EF4-FFF2-40B4-BE49-F238E27FC236}">
+                <a16:creationId xmlns:a16="http://schemas.microsoft.com/office/drawing/2014/main" id="{7862955A-8BEF-42CF-A91B-19505CFA8F98}"/>
+              </a:ext>
+            </a:extLst>
+          </p:cNvPr>
+          <p:cNvCxnSpPr>
+            <a:cxnSpLocks/>
+          </p:cNvCxnSpPr>
+          <p:nvPr/>
+        </p:nvCxnSpPr>
+        <p:spPr>
+          <a:xfrm>
+            <a:off x="8081702" y="3612772"/>
+            <a:ext cx="0" cy="1006131"/>
+          </a:xfrm>
+          <a:prstGeom prst="straightConnector1">
+            <a:avLst/>
+          </a:prstGeom>
+          <a:ln>
+            <a:tailEnd type="triangle"/>
+          </a:ln>
+        </p:spPr>
+        <p:style>
+          <a:lnRef idx="1">
+            <a:schemeClr val="accent1"/>
+          </a:lnRef>
+          <a:fillRef idx="0">
+            <a:schemeClr val="accent1"/>
+          </a:fillRef>
+          <a:effectRef idx="0">
+            <a:schemeClr val="accent1"/>
+          </a:effectRef>
+          <a:fontRef idx="minor">
+            <a:schemeClr val="tx1"/>
+          </a:fontRef>
+        </p:style>
+      </p:cxnSp>
+      <p:cxnSp>
+        <p:nvCxnSpPr>
+          <p:cNvPr id="16" name="Straight Arrow Connector 15">
+            <a:extLst>
+              <a:ext uri="{FF2B5EF4-FFF2-40B4-BE49-F238E27FC236}">
+                <a16:creationId xmlns:a16="http://schemas.microsoft.com/office/drawing/2014/main" id="{D6F4C748-9E26-4B77-8509-F80E7A49218F}"/>
+              </a:ext>
+            </a:extLst>
+          </p:cNvPr>
+          <p:cNvCxnSpPr>
+            <a:cxnSpLocks/>
+          </p:cNvCxnSpPr>
+          <p:nvPr/>
+        </p:nvCxnSpPr>
+        <p:spPr>
+          <a:xfrm flipV="1">
+            <a:off x="8274859" y="3612772"/>
+            <a:ext cx="0" cy="1003064"/>
+          </a:xfrm>
+          <a:prstGeom prst="straightConnector1">
+            <a:avLst/>
+          </a:prstGeom>
+          <a:ln>
+            <a:tailEnd type="triangle"/>
+          </a:ln>
+        </p:spPr>
+        <p:style>
+          <a:lnRef idx="1">
+            <a:schemeClr val="accent1"/>
+          </a:lnRef>
+          <a:fillRef idx="0">
+            <a:schemeClr val="accent1"/>
+          </a:fillRef>
+          <a:effectRef idx="0">
+            <a:schemeClr val="accent1"/>
+          </a:effectRef>
+          <a:fontRef idx="minor">
+            <a:schemeClr val="tx1"/>
+          </a:fontRef>
+        </p:style>
+      </p:cxnSp>
+      <p:sp>
+        <p:nvSpPr>
+          <p:cNvPr id="17" name="TextBox 16">
+            <a:extLst>
+              <a:ext uri="{FF2B5EF4-FFF2-40B4-BE49-F238E27FC236}">
+                <a16:creationId xmlns:a16="http://schemas.microsoft.com/office/drawing/2014/main" id="{29397EF2-7C9D-469F-B8D8-5D5B867A8D06}"/>
+              </a:ext>
+            </a:extLst>
+          </p:cNvPr>
+          <p:cNvSpPr txBox="1"/>
+          <p:nvPr/>
+        </p:nvSpPr>
+        <p:spPr>
+          <a:xfrm>
+            <a:off x="8255040" y="3661608"/>
+            <a:ext cx="943793" cy="369332"/>
+          </a:xfrm>
+          <a:prstGeom prst="rect">
+            <a:avLst/>
+          </a:prstGeom>
+          <a:noFill/>
+        </p:spPr>
+        <p:txBody>
+          <a:bodyPr wrap="square" rtlCol="0">
+            <a:spAutoFit/>
+          </a:bodyPr>
+          <a:lstStyle/>
+          <a:p>
+            <a:pPr algn="ctr"/>
+            <a:r>
+              <a:rPr lang="en-US" sz="900" dirty="0">
+                <a:solidFill>
+                  <a:schemeClr val="bg1"/>
+                </a:solidFill>
+              </a:rPr>
+              <a:t>Data of mapped</a:t>
+            </a:r>
+          </a:p>
+          <a:p>
+            <a:pPr algn="ctr"/>
+            <a:r>
+              <a:rPr lang="en-US" sz="900" dirty="0">
+                <a:solidFill>
+                  <a:schemeClr val="bg1"/>
+                </a:solidFill>
+              </a:rPr>
+              <a:t>environment</a:t>
+            </a:r>
+          </a:p>
+        </p:txBody>
+      </p:sp>
+      <p:sp>
+        <p:nvSpPr>
+          <p:cNvPr id="18" name="TextBox 17">
+            <a:extLst>
+              <a:ext uri="{FF2B5EF4-FFF2-40B4-BE49-F238E27FC236}">
+                <a16:creationId xmlns:a16="http://schemas.microsoft.com/office/drawing/2014/main" id="{D030B812-73EB-46FF-AD1F-9611884AD81A}"/>
+              </a:ext>
+            </a:extLst>
+          </p:cNvPr>
+          <p:cNvSpPr txBox="1"/>
+          <p:nvPr/>
+        </p:nvSpPr>
+        <p:spPr>
+          <a:xfrm>
+            <a:off x="6991827" y="4102364"/>
+            <a:ext cx="1196161" cy="369332"/>
+          </a:xfrm>
+          <a:prstGeom prst="rect">
+            <a:avLst/>
+          </a:prstGeom>
+          <a:noFill/>
+        </p:spPr>
+        <p:txBody>
+          <a:bodyPr wrap="none" rtlCol="0">
+            <a:spAutoFit/>
+          </a:bodyPr>
+          <a:lstStyle/>
+          <a:p>
+            <a:pPr algn="ctr"/>
+            <a:r>
+              <a:rPr lang="en-US" sz="900" dirty="0">
+                <a:solidFill>
+                  <a:schemeClr val="bg1"/>
+                </a:solidFill>
+              </a:rPr>
+              <a:t>Instruction regarding </a:t>
+            </a:r>
+          </a:p>
+          <a:p>
+            <a:pPr algn="ctr"/>
+            <a:r>
+              <a:rPr lang="en-US" sz="900" dirty="0">
+                <a:solidFill>
+                  <a:schemeClr val="bg1"/>
+                </a:solidFill>
+              </a:rPr>
+              <a:t>when to operate</a:t>
+            </a:r>
+          </a:p>
+        </p:txBody>
+      </p:sp>
+      <p:sp>
+        <p:nvSpPr>
+          <p:cNvPr id="19" name="Cube 18">
+            <a:extLst>
+              <a:ext uri="{FF2B5EF4-FFF2-40B4-BE49-F238E27FC236}">
+                <a16:creationId xmlns:a16="http://schemas.microsoft.com/office/drawing/2014/main" id="{8031A0DC-92F5-4A68-930F-08745961DAA9}"/>
+              </a:ext>
+            </a:extLst>
+          </p:cNvPr>
+          <p:cNvSpPr/>
+          <p:nvPr/>
+        </p:nvSpPr>
+        <p:spPr>
+          <a:xfrm>
+            <a:off x="6804248" y="332656"/>
+            <a:ext cx="1595873" cy="731936"/>
+          </a:xfrm>
+          <a:prstGeom prst="cube">
+            <a:avLst>
+              <a:gd name="adj" fmla="val 6868"/>
+            </a:avLst>
+          </a:prstGeom>
+          <a:ln/>
+        </p:spPr>
+        <p:style>
+          <a:lnRef idx="2">
+            <a:schemeClr val="dk1"/>
+          </a:lnRef>
+          <a:fillRef idx="1">
+            <a:schemeClr val="lt1"/>
+          </a:fillRef>
+          <a:effectRef idx="0">
+            <a:schemeClr val="dk1"/>
+          </a:effectRef>
+          <a:fontRef idx="minor">
+            <a:schemeClr val="dk1"/>
+          </a:fontRef>
+        </p:style>
+        <p:txBody>
+          <a:bodyPr rtlCol="0" anchor="ctr"/>
+          <a:lstStyle/>
+          <a:p>
+            <a:pPr algn="ctr"/>
+            <a:r>
+              <a:rPr lang="en-US" sz="1100" b="1" dirty="0">
+                <a:solidFill>
+                  <a:schemeClr val="tx1"/>
+                </a:solidFill>
+              </a:rPr>
+              <a:t>&lt;&lt;Computer Interface&gt;&gt;</a:t>
+            </a:r>
+          </a:p>
+        </p:txBody>
+      </p:sp>
+      <p:cxnSp>
+        <p:nvCxnSpPr>
+          <p:cNvPr id="20" name="Straight Arrow Connector 19">
+            <a:extLst>
+              <a:ext uri="{FF2B5EF4-FFF2-40B4-BE49-F238E27FC236}">
+                <a16:creationId xmlns:a16="http://schemas.microsoft.com/office/drawing/2014/main" id="{9EC4EC5A-7AA6-4E20-9D30-5C9215866DF7}"/>
+              </a:ext>
+            </a:extLst>
+          </p:cNvPr>
+          <p:cNvCxnSpPr>
+            <a:cxnSpLocks/>
+          </p:cNvCxnSpPr>
+          <p:nvPr/>
+        </p:nvCxnSpPr>
+        <p:spPr>
+          <a:xfrm>
+            <a:off x="7956376" y="1196532"/>
+            <a:ext cx="0" cy="833795"/>
+          </a:xfrm>
+          <a:prstGeom prst="straightConnector1">
+            <a:avLst/>
+          </a:prstGeom>
+          <a:ln>
+            <a:tailEnd type="triangle"/>
+          </a:ln>
+        </p:spPr>
+        <p:style>
+          <a:lnRef idx="1">
+            <a:schemeClr val="accent1"/>
+          </a:lnRef>
+          <a:fillRef idx="0">
+            <a:schemeClr val="accent1"/>
+          </a:fillRef>
+          <a:effectRef idx="0">
+            <a:schemeClr val="accent1"/>
+          </a:effectRef>
+          <a:fontRef idx="minor">
+            <a:schemeClr val="tx1"/>
+          </a:fontRef>
+        </p:style>
+      </p:cxnSp>
+      <p:cxnSp>
+        <p:nvCxnSpPr>
+          <p:cNvPr id="21" name="Straight Arrow Connector 20">
+            <a:extLst>
+              <a:ext uri="{FF2B5EF4-FFF2-40B4-BE49-F238E27FC236}">
+                <a16:creationId xmlns:a16="http://schemas.microsoft.com/office/drawing/2014/main" id="{BFD911B0-FAB0-4285-BCBB-98BE20F87348}"/>
+              </a:ext>
+            </a:extLst>
+          </p:cNvPr>
+          <p:cNvCxnSpPr/>
+          <p:nvPr/>
+        </p:nvCxnSpPr>
+        <p:spPr>
+          <a:xfrm flipV="1">
+            <a:off x="7812360" y="1128754"/>
+            <a:ext cx="0" cy="914895"/>
+          </a:xfrm>
+          <a:prstGeom prst="straightConnector1">
+            <a:avLst/>
+          </a:prstGeom>
+          <a:ln>
+            <a:tailEnd type="triangle"/>
+          </a:ln>
+        </p:spPr>
+        <p:style>
+          <a:lnRef idx="1">
+            <a:schemeClr val="accent1"/>
+          </a:lnRef>
+          <a:fillRef idx="0">
+            <a:schemeClr val="accent1"/>
+          </a:fillRef>
+          <a:effectRef idx="0">
+            <a:schemeClr val="accent1"/>
+          </a:effectRef>
+          <a:fontRef idx="minor">
+            <a:schemeClr val="tx1"/>
+          </a:fontRef>
+        </p:style>
+      </p:cxnSp>
+      <p:sp>
+        <p:nvSpPr>
+          <p:cNvPr id="22" name="TextBox 21">
+            <a:extLst>
+              <a:ext uri="{FF2B5EF4-FFF2-40B4-BE49-F238E27FC236}">
+                <a16:creationId xmlns:a16="http://schemas.microsoft.com/office/drawing/2014/main" id="{DFE47B7E-1965-41C9-AD70-A0D54F61C9C5}"/>
+              </a:ext>
+            </a:extLst>
+          </p:cNvPr>
+          <p:cNvSpPr txBox="1"/>
+          <p:nvPr/>
+        </p:nvSpPr>
+        <p:spPr>
+          <a:xfrm>
+            <a:off x="7047903" y="1237726"/>
+            <a:ext cx="758541" cy="507831"/>
+          </a:xfrm>
+          <a:prstGeom prst="rect">
+            <a:avLst/>
+          </a:prstGeom>
+          <a:noFill/>
+        </p:spPr>
+        <p:txBody>
+          <a:bodyPr wrap="none" rtlCol="0">
+            <a:spAutoFit/>
+          </a:bodyPr>
+          <a:lstStyle/>
+          <a:p>
+            <a:pPr algn="ctr"/>
+            <a:r>
+              <a:rPr lang="en-US" sz="900" dirty="0">
+                <a:solidFill>
+                  <a:schemeClr val="bg1"/>
+                </a:solidFill>
+              </a:rPr>
+              <a:t>Data output</a:t>
+            </a:r>
+          </a:p>
+          <a:p>
+            <a:pPr algn="ctr"/>
+            <a:r>
+              <a:rPr lang="en-US" sz="900" dirty="0">
+                <a:solidFill>
+                  <a:schemeClr val="bg1"/>
+                </a:solidFill>
+              </a:rPr>
+              <a:t> from SLAM </a:t>
+            </a:r>
+          </a:p>
+          <a:p>
+            <a:pPr algn="ctr"/>
+            <a:r>
+              <a:rPr lang="en-US" sz="900" dirty="0">
+                <a:solidFill>
+                  <a:schemeClr val="bg1"/>
+                </a:solidFill>
+              </a:rPr>
+              <a:t>algorithm</a:t>
+            </a:r>
+          </a:p>
+        </p:txBody>
+      </p:sp>
+      <p:sp>
+        <p:nvSpPr>
+          <p:cNvPr id="23" name="TextBox 22">
+            <a:extLst>
+              <a:ext uri="{FF2B5EF4-FFF2-40B4-BE49-F238E27FC236}">
+                <a16:creationId xmlns:a16="http://schemas.microsoft.com/office/drawing/2014/main" id="{73C19F26-F422-403A-82D0-5626E91F5988}"/>
+              </a:ext>
+            </a:extLst>
+          </p:cNvPr>
+          <p:cNvSpPr txBox="1"/>
+          <p:nvPr/>
+        </p:nvSpPr>
+        <p:spPr>
+          <a:xfrm>
+            <a:off x="7884368" y="1482625"/>
+            <a:ext cx="675185" cy="230832"/>
+          </a:xfrm>
+          <a:prstGeom prst="rect">
+            <a:avLst/>
+          </a:prstGeom>
+          <a:noFill/>
+        </p:spPr>
+        <p:txBody>
+          <a:bodyPr wrap="none" rtlCol="0">
+            <a:spAutoFit/>
+          </a:bodyPr>
+          <a:lstStyle/>
+          <a:p>
+            <a:r>
+              <a:rPr lang="en-US" sz="900" dirty="0">
+                <a:solidFill>
+                  <a:schemeClr val="bg1"/>
+                </a:solidFill>
+              </a:rPr>
+              <a:t>User input</a:t>
+            </a:r>
+          </a:p>
+        </p:txBody>
+      </p:sp>
+      <p:cxnSp>
+        <p:nvCxnSpPr>
+          <p:cNvPr id="24" name="Straight Connector 23">
+            <a:extLst>
+              <a:ext uri="{FF2B5EF4-FFF2-40B4-BE49-F238E27FC236}">
+                <a16:creationId xmlns:a16="http://schemas.microsoft.com/office/drawing/2014/main" id="{BC5D7AA2-1851-4B01-86C9-2ACD7A98AA06}"/>
+              </a:ext>
+            </a:extLst>
+          </p:cNvPr>
+          <p:cNvCxnSpPr>
+            <a:cxnSpLocks/>
+          </p:cNvCxnSpPr>
+          <p:nvPr/>
+        </p:nvCxnSpPr>
+        <p:spPr>
+          <a:xfrm>
+            <a:off x="6955833" y="1064592"/>
+            <a:ext cx="18611" cy="1122982"/>
+          </a:xfrm>
+          <a:prstGeom prst="line">
+            <a:avLst/>
+          </a:prstGeom>
+          <a:ln w="19050">
+            <a:solidFill>
+              <a:schemeClr val="bg1"/>
+            </a:solidFill>
+          </a:ln>
+        </p:spPr>
+        <p:style>
+          <a:lnRef idx="1">
+            <a:schemeClr val="accent1"/>
+          </a:lnRef>
+          <a:fillRef idx="0">
+            <a:schemeClr val="accent1"/>
+          </a:fillRef>
+          <a:effectRef idx="0">
+            <a:schemeClr val="accent1"/>
+          </a:effectRef>
+          <a:fontRef idx="minor">
+            <a:schemeClr val="tx1"/>
+          </a:fontRef>
+        </p:style>
+      </p:cxnSp>
+      <p:sp>
+        <p:nvSpPr>
+          <p:cNvPr id="25" name="TextBox 24">
+            <a:extLst>
+              <a:ext uri="{FF2B5EF4-FFF2-40B4-BE49-F238E27FC236}">
+                <a16:creationId xmlns:a16="http://schemas.microsoft.com/office/drawing/2014/main" id="{4E1729D3-5C57-4A9E-A94B-F915307794A5}"/>
+              </a:ext>
+            </a:extLst>
+          </p:cNvPr>
+          <p:cNvSpPr txBox="1"/>
+          <p:nvPr/>
+        </p:nvSpPr>
+        <p:spPr>
+          <a:xfrm>
+            <a:off x="5672687" y="1237726"/>
+            <a:ext cx="1595872" cy="230832"/>
+          </a:xfrm>
+          <a:prstGeom prst="rect">
+            <a:avLst/>
+          </a:prstGeom>
+          <a:noFill/>
+        </p:spPr>
+        <p:txBody>
+          <a:bodyPr wrap="square" rtlCol="0">
+            <a:spAutoFit/>
+          </a:bodyPr>
+          <a:lstStyle/>
+          <a:p>
+            <a:r>
+              <a:rPr lang="en-US" sz="900" dirty="0">
+                <a:solidFill>
+                  <a:schemeClr val="bg1"/>
+                </a:solidFill>
+                <a:cs typeface="Arial" panose="020B0604020202020204" pitchFamily="34" charset="0"/>
+              </a:rPr>
+              <a:t>&lt;&lt;SSH/Web Interface&gt;&gt;</a:t>
+            </a:r>
+          </a:p>
+        </p:txBody>
+      </p:sp>
+      <p:cxnSp>
+        <p:nvCxnSpPr>
+          <p:cNvPr id="26" name="Straight Connector 25">
+            <a:extLst>
+              <a:ext uri="{FF2B5EF4-FFF2-40B4-BE49-F238E27FC236}">
+                <a16:creationId xmlns:a16="http://schemas.microsoft.com/office/drawing/2014/main" id="{F58D01A3-D701-41DB-8510-87D143E01B9D}"/>
+              </a:ext>
+            </a:extLst>
+          </p:cNvPr>
+          <p:cNvCxnSpPr>
+            <a:cxnSpLocks/>
+          </p:cNvCxnSpPr>
+          <p:nvPr/>
+        </p:nvCxnSpPr>
+        <p:spPr>
+          <a:xfrm>
+            <a:off x="5448066" y="3099406"/>
+            <a:ext cx="1356181" cy="9310"/>
+          </a:xfrm>
+          <a:prstGeom prst="line">
+            <a:avLst/>
+          </a:prstGeom>
+          <a:ln w="19050">
+            <a:solidFill>
+              <a:schemeClr val="bg1"/>
+            </a:solidFill>
+          </a:ln>
+        </p:spPr>
+        <p:style>
+          <a:lnRef idx="1">
+            <a:schemeClr val="accent1"/>
+          </a:lnRef>
+          <a:fillRef idx="0">
+            <a:schemeClr val="accent1"/>
+          </a:fillRef>
+          <a:effectRef idx="0">
+            <a:schemeClr val="accent1"/>
+          </a:effectRef>
+          <a:fontRef idx="minor">
+            <a:schemeClr val="tx1"/>
+          </a:fontRef>
+        </p:style>
+      </p:cxnSp>
+      <p:sp>
+        <p:nvSpPr>
+          <p:cNvPr id="27" name="TextBox 26">
+            <a:extLst>
+              <a:ext uri="{FF2B5EF4-FFF2-40B4-BE49-F238E27FC236}">
+                <a16:creationId xmlns:a16="http://schemas.microsoft.com/office/drawing/2014/main" id="{E9AB4DCF-BC9E-4241-B5B9-FAF14578595C}"/>
+              </a:ext>
+            </a:extLst>
+          </p:cNvPr>
+          <p:cNvSpPr txBox="1"/>
+          <p:nvPr/>
+        </p:nvSpPr>
+        <p:spPr>
+          <a:xfrm>
+            <a:off x="5509198" y="3120250"/>
+            <a:ext cx="1158107" cy="369332"/>
+          </a:xfrm>
+          <a:prstGeom prst="rect">
+            <a:avLst/>
+          </a:prstGeom>
+          <a:noFill/>
+          <a:ln>
+            <a:noFill/>
+          </a:ln>
+        </p:spPr>
+        <p:txBody>
+          <a:bodyPr wrap="square" rtlCol="0">
+            <a:spAutoFit/>
+          </a:bodyPr>
+          <a:lstStyle/>
+          <a:p>
+            <a:pPr algn="ctr"/>
+            <a:r>
+              <a:rPr lang="en-US" sz="900" dirty="0">
+                <a:solidFill>
+                  <a:schemeClr val="bg1"/>
+                </a:solidFill>
+                <a:cs typeface="Arial" panose="020B0604020202020204" pitchFamily="34" charset="0"/>
+              </a:rPr>
+              <a:t>&lt;&lt;Serial Communication&gt;&gt;</a:t>
+            </a:r>
+          </a:p>
+        </p:txBody>
+      </p:sp>
+      <p:cxnSp>
+        <p:nvCxnSpPr>
+          <p:cNvPr id="28" name="Straight Connector 27">
+            <a:extLst>
+              <a:ext uri="{FF2B5EF4-FFF2-40B4-BE49-F238E27FC236}">
+                <a16:creationId xmlns:a16="http://schemas.microsoft.com/office/drawing/2014/main" id="{3C0A9AA9-F421-4CB3-98FD-7976A2BBCDA0}"/>
+              </a:ext>
+            </a:extLst>
+          </p:cNvPr>
+          <p:cNvCxnSpPr>
+            <a:cxnSpLocks/>
+            <a:stCxn id="43" idx="2"/>
+          </p:cNvCxnSpPr>
+          <p:nvPr/>
+        </p:nvCxnSpPr>
+        <p:spPr>
+          <a:xfrm flipH="1">
+            <a:off x="6898286" y="3328284"/>
+            <a:ext cx="146908" cy="1298135"/>
+          </a:xfrm>
+          <a:prstGeom prst="line">
+            <a:avLst/>
+          </a:prstGeom>
+          <a:ln w="19050">
+            <a:solidFill>
+              <a:schemeClr val="bg1"/>
+            </a:solidFill>
+          </a:ln>
+        </p:spPr>
+        <p:style>
+          <a:lnRef idx="1">
+            <a:schemeClr val="accent1"/>
+          </a:lnRef>
+          <a:fillRef idx="0">
+            <a:schemeClr val="accent1"/>
+          </a:fillRef>
+          <a:effectRef idx="0">
+            <a:schemeClr val="accent1"/>
+          </a:effectRef>
+          <a:fontRef idx="minor">
+            <a:schemeClr val="tx1"/>
+          </a:fontRef>
+        </p:style>
+      </p:cxnSp>
+      <p:sp>
+        <p:nvSpPr>
+          <p:cNvPr id="29" name="TextBox 28">
+            <a:extLst>
+              <a:ext uri="{FF2B5EF4-FFF2-40B4-BE49-F238E27FC236}">
+                <a16:creationId xmlns:a16="http://schemas.microsoft.com/office/drawing/2014/main" id="{BC9CB4E3-F585-4DE7-8027-B276FA4621FC}"/>
+              </a:ext>
+            </a:extLst>
+          </p:cNvPr>
+          <p:cNvSpPr txBox="1"/>
+          <p:nvPr/>
+        </p:nvSpPr>
+        <p:spPr>
+          <a:xfrm>
+            <a:off x="5549338" y="3977182"/>
+            <a:ext cx="1842570" cy="230832"/>
+          </a:xfrm>
+          <a:prstGeom prst="rect">
+            <a:avLst/>
+          </a:prstGeom>
+          <a:noFill/>
+        </p:spPr>
+        <p:txBody>
+          <a:bodyPr wrap="square" rtlCol="0">
+            <a:spAutoFit/>
+          </a:bodyPr>
+          <a:lstStyle/>
+          <a:p>
+            <a:r>
+              <a:rPr lang="en-US" sz="900" dirty="0">
+                <a:solidFill>
+                  <a:schemeClr val="bg1"/>
+                </a:solidFill>
+                <a:cs typeface="Arial" panose="020B0604020202020204" pitchFamily="34" charset="0"/>
+              </a:rPr>
+              <a:t>&lt;&lt;Serial Communication&gt;&gt;</a:t>
+            </a:r>
+          </a:p>
+        </p:txBody>
+      </p:sp>
+      <p:cxnSp>
+        <p:nvCxnSpPr>
+          <p:cNvPr id="30" name="Straight Connector 29">
+            <a:extLst>
+              <a:ext uri="{FF2B5EF4-FFF2-40B4-BE49-F238E27FC236}">
+                <a16:creationId xmlns:a16="http://schemas.microsoft.com/office/drawing/2014/main" id="{29C09574-0A9B-4E71-A840-99ABF38BCB66}"/>
+              </a:ext>
+            </a:extLst>
+          </p:cNvPr>
+          <p:cNvCxnSpPr>
+            <a:cxnSpLocks/>
+          </p:cNvCxnSpPr>
+          <p:nvPr/>
+        </p:nvCxnSpPr>
+        <p:spPr>
+          <a:xfrm flipH="1">
+            <a:off x="1795009" y="2058720"/>
+            <a:ext cx="200653" cy="0"/>
+          </a:xfrm>
+          <a:prstGeom prst="line">
+            <a:avLst/>
+          </a:prstGeom>
+        </p:spPr>
+        <p:style>
+          <a:lnRef idx="1">
+            <a:schemeClr val="accent1"/>
+          </a:lnRef>
+          <a:fillRef idx="0">
+            <a:schemeClr val="accent1"/>
+          </a:fillRef>
+          <a:effectRef idx="0">
+            <a:schemeClr val="accent1"/>
+          </a:effectRef>
+          <a:fontRef idx="minor">
+            <a:schemeClr val="tx1"/>
+          </a:fontRef>
+        </p:style>
+      </p:cxnSp>
+      <p:cxnSp>
+        <p:nvCxnSpPr>
+          <p:cNvPr id="32" name="Straight Connector 31">
+            <a:extLst>
+              <a:ext uri="{FF2B5EF4-FFF2-40B4-BE49-F238E27FC236}">
+                <a16:creationId xmlns:a16="http://schemas.microsoft.com/office/drawing/2014/main" id="{4E3BB0ED-E5A1-4C8B-A958-D7D0FD2EC2C6}"/>
+              </a:ext>
+            </a:extLst>
+          </p:cNvPr>
+          <p:cNvCxnSpPr/>
+          <p:nvPr/>
+        </p:nvCxnSpPr>
+        <p:spPr>
+          <a:xfrm flipH="1">
+            <a:off x="1979712" y="2437250"/>
+            <a:ext cx="933830" cy="0"/>
+          </a:xfrm>
+          <a:prstGeom prst="line">
+            <a:avLst/>
+          </a:prstGeom>
+        </p:spPr>
+        <p:style>
+          <a:lnRef idx="1">
+            <a:schemeClr val="accent1"/>
+          </a:lnRef>
+          <a:fillRef idx="0">
+            <a:schemeClr val="accent1"/>
+          </a:fillRef>
+          <a:effectRef idx="0">
+            <a:schemeClr val="accent1"/>
+          </a:effectRef>
+          <a:fontRef idx="minor">
+            <a:schemeClr val="tx1"/>
+          </a:fontRef>
+        </p:style>
+      </p:cxnSp>
+      <p:sp>
+        <p:nvSpPr>
+          <p:cNvPr id="33" name="Cube 32">
+            <a:extLst>
+              <a:ext uri="{FF2B5EF4-FFF2-40B4-BE49-F238E27FC236}">
+                <a16:creationId xmlns:a16="http://schemas.microsoft.com/office/drawing/2014/main" id="{DA0DA1C9-2942-41F7-B422-EA5D9C41FA27}"/>
+              </a:ext>
+            </a:extLst>
+          </p:cNvPr>
+          <p:cNvSpPr/>
+          <p:nvPr/>
+        </p:nvSpPr>
+        <p:spPr>
+          <a:xfrm>
+            <a:off x="1341581" y="2609952"/>
+            <a:ext cx="840570" cy="519745"/>
+          </a:xfrm>
+          <a:prstGeom prst="cube">
+            <a:avLst>
+              <a:gd name="adj" fmla="val 6868"/>
+            </a:avLst>
+          </a:prstGeom>
+          <a:ln/>
+        </p:spPr>
+        <p:style>
+          <a:lnRef idx="1">
+            <a:schemeClr val="accent4"/>
+          </a:lnRef>
+          <a:fillRef idx="2">
+            <a:schemeClr val="accent4"/>
+          </a:fillRef>
+          <a:effectRef idx="1">
+            <a:schemeClr val="accent4"/>
+          </a:effectRef>
+          <a:fontRef idx="minor">
+            <a:schemeClr val="dk1"/>
+          </a:fontRef>
+        </p:style>
+        <p:txBody>
+          <a:bodyPr rtlCol="0" anchor="ctr"/>
+          <a:lstStyle/>
+          <a:p>
+            <a:pPr algn="ctr"/>
+            <a:r>
+              <a:rPr lang="en-US" sz="1000" b="1" dirty="0">
+                <a:solidFill>
+                  <a:schemeClr val="tx1"/>
+                </a:solidFill>
+              </a:rPr>
+              <a:t>Left</a:t>
+            </a:r>
+          </a:p>
+          <a:p>
+            <a:pPr algn="ctr"/>
+            <a:r>
+              <a:rPr lang="en-US" sz="1000" b="1" dirty="0">
+                <a:solidFill>
+                  <a:schemeClr val="tx1"/>
+                </a:solidFill>
+              </a:rPr>
+              <a:t> Motor</a:t>
+            </a:r>
+          </a:p>
+        </p:txBody>
+      </p:sp>
+      <p:sp>
+        <p:nvSpPr>
+          <p:cNvPr id="34" name="Cube 33">
+            <a:extLst>
+              <a:ext uri="{FF2B5EF4-FFF2-40B4-BE49-F238E27FC236}">
+                <a16:creationId xmlns:a16="http://schemas.microsoft.com/office/drawing/2014/main" id="{20F3E465-8F66-472C-AE24-1A03170E6EE7}"/>
+              </a:ext>
+            </a:extLst>
+          </p:cNvPr>
+          <p:cNvSpPr/>
+          <p:nvPr/>
+        </p:nvSpPr>
+        <p:spPr>
+          <a:xfrm>
+            <a:off x="2347404" y="2609953"/>
+            <a:ext cx="803698" cy="519744"/>
+          </a:xfrm>
+          <a:prstGeom prst="cube">
+            <a:avLst>
+              <a:gd name="adj" fmla="val 6868"/>
+            </a:avLst>
+          </a:prstGeom>
+          <a:ln/>
+        </p:spPr>
+        <p:style>
+          <a:lnRef idx="1">
+            <a:schemeClr val="accent4"/>
+          </a:lnRef>
+          <a:fillRef idx="2">
+            <a:schemeClr val="accent4"/>
+          </a:fillRef>
+          <a:effectRef idx="1">
+            <a:schemeClr val="accent4"/>
+          </a:effectRef>
+          <a:fontRef idx="minor">
+            <a:schemeClr val="dk1"/>
+          </a:fontRef>
+        </p:style>
+        <p:txBody>
+          <a:bodyPr rtlCol="0" anchor="ctr"/>
+          <a:lstStyle/>
+          <a:p>
+            <a:pPr algn="ctr"/>
+            <a:r>
+              <a:rPr lang="en-US" sz="1000" b="1" dirty="0">
+                <a:solidFill>
+                  <a:schemeClr val="tx1"/>
+                </a:solidFill>
+              </a:rPr>
+              <a:t>Right Motor</a:t>
+            </a:r>
+          </a:p>
+        </p:txBody>
+      </p:sp>
+      <p:cxnSp>
+        <p:nvCxnSpPr>
+          <p:cNvPr id="35" name="Straight Connector 34">
+            <a:extLst>
+              <a:ext uri="{FF2B5EF4-FFF2-40B4-BE49-F238E27FC236}">
+                <a16:creationId xmlns:a16="http://schemas.microsoft.com/office/drawing/2014/main" id="{8B7DF69A-EF64-4961-8319-1A9FC9A0135B}"/>
+              </a:ext>
+            </a:extLst>
+          </p:cNvPr>
+          <p:cNvCxnSpPr>
+            <a:cxnSpLocks/>
+          </p:cNvCxnSpPr>
+          <p:nvPr/>
+        </p:nvCxnSpPr>
+        <p:spPr>
+          <a:xfrm flipV="1">
+            <a:off x="2625529" y="2430132"/>
+            <a:ext cx="0" cy="210532"/>
+          </a:xfrm>
+          <a:prstGeom prst="line">
+            <a:avLst/>
+          </a:prstGeom>
+        </p:spPr>
+        <p:style>
+          <a:lnRef idx="1">
+            <a:schemeClr val="accent1"/>
+          </a:lnRef>
+          <a:fillRef idx="0">
+            <a:schemeClr val="accent1"/>
+          </a:fillRef>
+          <a:effectRef idx="0">
+            <a:schemeClr val="accent1"/>
+          </a:effectRef>
+          <a:fontRef idx="minor">
+            <a:schemeClr val="tx1"/>
+          </a:fontRef>
+        </p:style>
+      </p:cxnSp>
+      <p:sp>
+        <p:nvSpPr>
+          <p:cNvPr id="36" name="Cube 35">
+            <a:extLst>
+              <a:ext uri="{FF2B5EF4-FFF2-40B4-BE49-F238E27FC236}">
+                <a16:creationId xmlns:a16="http://schemas.microsoft.com/office/drawing/2014/main" id="{883EBA4D-F8D2-4BFA-A62A-E1491F475332}"/>
+              </a:ext>
+            </a:extLst>
+          </p:cNvPr>
+          <p:cNvSpPr/>
+          <p:nvPr/>
+        </p:nvSpPr>
+        <p:spPr>
+          <a:xfrm>
+            <a:off x="2357524" y="3466574"/>
+            <a:ext cx="1183203" cy="635790"/>
+          </a:xfrm>
+          <a:prstGeom prst="cube">
+            <a:avLst>
+              <a:gd name="adj" fmla="val 6868"/>
+            </a:avLst>
+          </a:prstGeom>
+          <a:ln/>
+        </p:spPr>
+        <p:style>
+          <a:lnRef idx="1">
+            <a:schemeClr val="accent3"/>
+          </a:lnRef>
+          <a:fillRef idx="2">
+            <a:schemeClr val="accent3"/>
+          </a:fillRef>
+          <a:effectRef idx="1">
+            <a:schemeClr val="accent3"/>
+          </a:effectRef>
+          <a:fontRef idx="minor">
+            <a:schemeClr val="dk1"/>
+          </a:fontRef>
+        </p:style>
+        <p:txBody>
+          <a:bodyPr rtlCol="0" anchor="ctr"/>
+          <a:lstStyle/>
+          <a:p>
+            <a:pPr algn="ctr"/>
+            <a:r>
+              <a:rPr lang="en-US" sz="1000" b="1" dirty="0">
+                <a:solidFill>
+                  <a:schemeClr val="tx1"/>
+                </a:solidFill>
+              </a:rPr>
+              <a:t>Wheel Encoder(right)</a:t>
+            </a:r>
+          </a:p>
+        </p:txBody>
+      </p:sp>
+      <p:cxnSp>
+        <p:nvCxnSpPr>
+          <p:cNvPr id="37" name="Straight Connector 36">
+            <a:extLst>
+              <a:ext uri="{FF2B5EF4-FFF2-40B4-BE49-F238E27FC236}">
+                <a16:creationId xmlns:a16="http://schemas.microsoft.com/office/drawing/2014/main" id="{FBEDEEF3-E9EA-4977-B001-AE22CACEA974}"/>
+              </a:ext>
+            </a:extLst>
+          </p:cNvPr>
+          <p:cNvCxnSpPr>
+            <a:cxnSpLocks/>
+          </p:cNvCxnSpPr>
+          <p:nvPr/>
+        </p:nvCxnSpPr>
+        <p:spPr>
+          <a:xfrm flipH="1">
+            <a:off x="1792050" y="2048839"/>
+            <a:ext cx="1" cy="561113"/>
+          </a:xfrm>
+          <a:prstGeom prst="line">
+            <a:avLst/>
+          </a:prstGeom>
+        </p:spPr>
+        <p:style>
+          <a:lnRef idx="1">
+            <a:schemeClr val="accent1"/>
+          </a:lnRef>
+          <a:fillRef idx="0">
+            <a:schemeClr val="accent1"/>
+          </a:fillRef>
+          <a:effectRef idx="0">
+            <a:schemeClr val="accent1"/>
+          </a:effectRef>
+          <a:fontRef idx="minor">
+            <a:schemeClr val="tx1"/>
+          </a:fontRef>
+        </p:style>
+      </p:cxnSp>
+      <p:sp>
+        <p:nvSpPr>
+          <p:cNvPr id="38" name="TextBox 37">
+            <a:extLst>
+              <a:ext uri="{FF2B5EF4-FFF2-40B4-BE49-F238E27FC236}">
+                <a16:creationId xmlns:a16="http://schemas.microsoft.com/office/drawing/2014/main" id="{B4E8F1DB-F65F-4BEF-B9A8-058F11EFEC39}"/>
+              </a:ext>
+            </a:extLst>
+          </p:cNvPr>
+          <p:cNvSpPr txBox="1"/>
+          <p:nvPr/>
+        </p:nvSpPr>
+        <p:spPr>
+          <a:xfrm>
+            <a:off x="2845667" y="4537396"/>
+            <a:ext cx="1909092" cy="230832"/>
+          </a:xfrm>
+          <a:prstGeom prst="rect">
+            <a:avLst/>
+          </a:prstGeom>
+          <a:noFill/>
+        </p:spPr>
+        <p:txBody>
+          <a:bodyPr wrap="square" rtlCol="0">
+            <a:spAutoFit/>
+          </a:bodyPr>
+          <a:lstStyle/>
+          <a:p>
+            <a:r>
+              <a:rPr lang="en-US" sz="900" dirty="0">
+                <a:solidFill>
+                  <a:schemeClr val="bg1"/>
+                </a:solidFill>
+              </a:rPr>
+              <a:t>Feedback for distance/angle tracking</a:t>
+            </a:r>
+          </a:p>
+        </p:txBody>
+      </p:sp>
+      <p:sp>
+        <p:nvSpPr>
+          <p:cNvPr id="41" name="Oval 40">
+            <a:extLst>
+              <a:ext uri="{FF2B5EF4-FFF2-40B4-BE49-F238E27FC236}">
+                <a16:creationId xmlns:a16="http://schemas.microsoft.com/office/drawing/2014/main" id="{F32A22A8-A4B1-4B2A-BF83-61B60C199533}"/>
+              </a:ext>
+            </a:extLst>
+          </p:cNvPr>
+          <p:cNvSpPr/>
+          <p:nvPr/>
+        </p:nvSpPr>
+        <p:spPr>
+          <a:xfrm>
+            <a:off x="4389685" y="2676107"/>
+            <a:ext cx="911182" cy="280556"/>
+          </a:xfrm>
+          <a:prstGeom prst="ellipse">
+            <a:avLst/>
+          </a:prstGeom>
+          <a:ln/>
+        </p:spPr>
+        <p:style>
+          <a:lnRef idx="1">
+            <a:schemeClr val="accent4"/>
+          </a:lnRef>
+          <a:fillRef idx="2">
+            <a:schemeClr val="accent4"/>
+          </a:fillRef>
+          <a:effectRef idx="1">
+            <a:schemeClr val="accent4"/>
+          </a:effectRef>
+          <a:fontRef idx="minor">
+            <a:schemeClr val="dk1"/>
+          </a:fontRef>
+        </p:style>
+        <p:txBody>
+          <a:bodyPr rtlCol="0" anchor="ctr"/>
+          <a:lstStyle/>
+          <a:p>
+            <a:pPr algn="ctr"/>
+            <a:r>
+              <a:rPr lang="en-US" sz="900" dirty="0"/>
+              <a:t>Motor Control</a:t>
+            </a:r>
+          </a:p>
+        </p:txBody>
+      </p:sp>
+      <p:sp>
+        <p:nvSpPr>
+          <p:cNvPr id="42" name="Oval 41">
+            <a:extLst>
+              <a:ext uri="{FF2B5EF4-FFF2-40B4-BE49-F238E27FC236}">
+                <a16:creationId xmlns:a16="http://schemas.microsoft.com/office/drawing/2014/main" id="{66669079-9101-46A9-972B-AA5276C0EEB2}"/>
+              </a:ext>
+            </a:extLst>
+          </p:cNvPr>
+          <p:cNvSpPr/>
+          <p:nvPr/>
+        </p:nvSpPr>
+        <p:spPr>
+          <a:xfrm>
+            <a:off x="4413982" y="3032367"/>
+            <a:ext cx="911182" cy="424896"/>
+          </a:xfrm>
+          <a:prstGeom prst="ellipse">
+            <a:avLst/>
+          </a:prstGeom>
+          <a:ln/>
+        </p:spPr>
+        <p:style>
+          <a:lnRef idx="1">
+            <a:schemeClr val="accent3"/>
+          </a:lnRef>
+          <a:fillRef idx="2">
+            <a:schemeClr val="accent3"/>
+          </a:fillRef>
+          <a:effectRef idx="1">
+            <a:schemeClr val="accent3"/>
+          </a:effectRef>
+          <a:fontRef idx="minor">
+            <a:schemeClr val="dk1"/>
+          </a:fontRef>
+        </p:style>
+        <p:txBody>
+          <a:bodyPr rtlCol="0" anchor="ctr"/>
+          <a:lstStyle/>
+          <a:p>
+            <a:pPr algn="ctr"/>
+            <a:r>
+              <a:rPr lang="en-US" sz="900" dirty="0"/>
+              <a:t>Distance/</a:t>
+            </a:r>
+          </a:p>
+          <a:p>
+            <a:pPr algn="ctr"/>
+            <a:r>
+              <a:rPr lang="en-US" sz="900" dirty="0"/>
+              <a:t>Angle Tracking </a:t>
+            </a:r>
+          </a:p>
+        </p:txBody>
+      </p:sp>
+      <p:sp>
+        <p:nvSpPr>
+          <p:cNvPr id="43" name="Oval 42">
+            <a:extLst>
+              <a:ext uri="{FF2B5EF4-FFF2-40B4-BE49-F238E27FC236}">
+                <a16:creationId xmlns:a16="http://schemas.microsoft.com/office/drawing/2014/main" id="{12D9DC2C-B494-442D-B4FF-F556953A333C}"/>
+              </a:ext>
+            </a:extLst>
+          </p:cNvPr>
+          <p:cNvSpPr/>
+          <p:nvPr/>
+        </p:nvSpPr>
+        <p:spPr>
+          <a:xfrm>
+            <a:off x="7045194" y="3187721"/>
+            <a:ext cx="1036508" cy="281126"/>
+          </a:xfrm>
+          <a:prstGeom prst="ellipse">
+            <a:avLst/>
+          </a:prstGeom>
+          <a:ln/>
+        </p:spPr>
+        <p:style>
+          <a:lnRef idx="1">
+            <a:schemeClr val="accent1"/>
+          </a:lnRef>
+          <a:fillRef idx="2">
+            <a:schemeClr val="accent1"/>
+          </a:fillRef>
+          <a:effectRef idx="1">
+            <a:schemeClr val="accent1"/>
+          </a:effectRef>
+          <a:fontRef idx="minor">
+            <a:schemeClr val="dk1"/>
+          </a:fontRef>
+        </p:style>
+        <p:txBody>
+          <a:bodyPr rtlCol="0" anchor="ctr"/>
+          <a:lstStyle/>
+          <a:p>
+            <a:pPr algn="ctr"/>
+            <a:r>
+              <a:rPr lang="en-US" sz="900" dirty="0"/>
+              <a:t>LIDAR data</a:t>
+            </a:r>
+          </a:p>
+        </p:txBody>
+      </p:sp>
+      <p:sp>
+        <p:nvSpPr>
+          <p:cNvPr id="44" name="Oval 43">
+            <a:extLst>
+              <a:ext uri="{FF2B5EF4-FFF2-40B4-BE49-F238E27FC236}">
+                <a16:creationId xmlns:a16="http://schemas.microsoft.com/office/drawing/2014/main" id="{0A3722A4-9D4B-4A25-B720-50D7A0A8F68D}"/>
+              </a:ext>
+            </a:extLst>
+          </p:cNvPr>
+          <p:cNvSpPr/>
+          <p:nvPr/>
+        </p:nvSpPr>
+        <p:spPr>
+          <a:xfrm>
+            <a:off x="7042155" y="2661387"/>
+            <a:ext cx="1036508" cy="339831"/>
+          </a:xfrm>
+          <a:prstGeom prst="ellipse">
+            <a:avLst/>
+          </a:prstGeom>
+          <a:ln/>
+        </p:spPr>
+        <p:style>
+          <a:lnRef idx="1">
+            <a:schemeClr val="accent1"/>
+          </a:lnRef>
+          <a:fillRef idx="2">
+            <a:schemeClr val="accent1"/>
+          </a:fillRef>
+          <a:effectRef idx="1">
+            <a:schemeClr val="accent1"/>
+          </a:effectRef>
+          <a:fontRef idx="minor">
+            <a:schemeClr val="dk1"/>
+          </a:fontRef>
+        </p:style>
+        <p:txBody>
+          <a:bodyPr rtlCol="0" anchor="ctr"/>
+          <a:lstStyle/>
+          <a:p>
+            <a:pPr algn="ctr"/>
+            <a:r>
+              <a:rPr lang="en-US" sz="900" dirty="0"/>
+              <a:t>Slam Algorithm</a:t>
+            </a:r>
+          </a:p>
+        </p:txBody>
+      </p:sp>
+      <p:cxnSp>
+        <p:nvCxnSpPr>
+          <p:cNvPr id="45" name="Straight Connector 44">
+            <a:extLst>
+              <a:ext uri="{FF2B5EF4-FFF2-40B4-BE49-F238E27FC236}">
+                <a16:creationId xmlns:a16="http://schemas.microsoft.com/office/drawing/2014/main" id="{2C7E71AF-B71D-4363-8158-2C2D0619F324}"/>
+              </a:ext>
+            </a:extLst>
+          </p:cNvPr>
+          <p:cNvCxnSpPr>
+            <a:cxnSpLocks/>
+          </p:cNvCxnSpPr>
+          <p:nvPr/>
+        </p:nvCxnSpPr>
+        <p:spPr>
+          <a:xfrm>
+            <a:off x="7536407" y="3007374"/>
+            <a:ext cx="338" cy="184064"/>
+          </a:xfrm>
+          <a:prstGeom prst="line">
+            <a:avLst/>
+          </a:prstGeom>
+          <a:ln w="19050">
+            <a:solidFill>
+              <a:schemeClr val="tx1"/>
+            </a:solidFill>
+          </a:ln>
+        </p:spPr>
+        <p:style>
+          <a:lnRef idx="1">
+            <a:schemeClr val="accent1"/>
+          </a:lnRef>
+          <a:fillRef idx="0">
+            <a:schemeClr val="accent1"/>
+          </a:fillRef>
+          <a:effectRef idx="0">
+            <a:schemeClr val="accent1"/>
+          </a:effectRef>
+          <a:fontRef idx="minor">
+            <a:schemeClr val="tx1"/>
+          </a:fontRef>
+        </p:style>
+      </p:cxnSp>
+      <p:cxnSp>
+        <p:nvCxnSpPr>
+          <p:cNvPr id="49" name="Straight Arrow Connector 48">
+            <a:extLst>
+              <a:ext uri="{FF2B5EF4-FFF2-40B4-BE49-F238E27FC236}">
+                <a16:creationId xmlns:a16="http://schemas.microsoft.com/office/drawing/2014/main" id="{222E2C7C-08DF-4839-B5AA-0973C9C9F21C}"/>
+              </a:ext>
+            </a:extLst>
+          </p:cNvPr>
+          <p:cNvCxnSpPr>
+            <a:cxnSpLocks/>
+          </p:cNvCxnSpPr>
+          <p:nvPr/>
+        </p:nvCxnSpPr>
+        <p:spPr>
+          <a:xfrm flipH="1" flipV="1">
+            <a:off x="3350461" y="2261983"/>
+            <a:ext cx="708568" cy="385280"/>
+          </a:xfrm>
+          <a:prstGeom prst="straightConnector1">
+            <a:avLst/>
+          </a:prstGeom>
+          <a:ln>
+            <a:tailEnd type="triangle"/>
+          </a:ln>
+        </p:spPr>
+        <p:style>
+          <a:lnRef idx="1">
+            <a:schemeClr val="accent1"/>
+          </a:lnRef>
+          <a:fillRef idx="0">
+            <a:schemeClr val="accent1"/>
+          </a:fillRef>
+          <a:effectRef idx="0">
+            <a:schemeClr val="accent1"/>
+          </a:effectRef>
+          <a:fontRef idx="minor">
+            <a:schemeClr val="tx1"/>
+          </a:fontRef>
+        </p:style>
+      </p:cxnSp>
+      <p:cxnSp>
+        <p:nvCxnSpPr>
+          <p:cNvPr id="58" name="Straight Connector 57">
+            <a:extLst>
+              <a:ext uri="{FF2B5EF4-FFF2-40B4-BE49-F238E27FC236}">
+                <a16:creationId xmlns:a16="http://schemas.microsoft.com/office/drawing/2014/main" id="{F7126602-9679-4AF6-82B6-4560144E816A}"/>
+              </a:ext>
+            </a:extLst>
+          </p:cNvPr>
+          <p:cNvCxnSpPr>
+            <a:cxnSpLocks/>
+            <a:stCxn id="33" idx="3"/>
+            <a:endCxn id="6" idx="0"/>
+          </p:cNvCxnSpPr>
+          <p:nvPr/>
+        </p:nvCxnSpPr>
+        <p:spPr>
+          <a:xfrm>
+            <a:off x="1744018" y="3129697"/>
+            <a:ext cx="1934" cy="346003"/>
+          </a:xfrm>
+          <a:prstGeom prst="line">
+            <a:avLst/>
+          </a:prstGeom>
+        </p:spPr>
+        <p:style>
+          <a:lnRef idx="1">
+            <a:schemeClr val="accent1"/>
+          </a:lnRef>
+          <a:fillRef idx="0">
+            <a:schemeClr val="accent1"/>
+          </a:fillRef>
+          <a:effectRef idx="0">
+            <a:schemeClr val="accent1"/>
+          </a:effectRef>
+          <a:fontRef idx="minor">
+            <a:schemeClr val="tx1"/>
+          </a:fontRef>
+        </p:style>
+      </p:cxnSp>
+      <p:cxnSp>
+        <p:nvCxnSpPr>
+          <p:cNvPr id="71" name="Straight Connector 70">
+            <a:extLst>
+              <a:ext uri="{FF2B5EF4-FFF2-40B4-BE49-F238E27FC236}">
+                <a16:creationId xmlns:a16="http://schemas.microsoft.com/office/drawing/2014/main" id="{8E977082-BA79-47C3-8609-DB5297D59608}"/>
+              </a:ext>
+            </a:extLst>
+          </p:cNvPr>
+          <p:cNvCxnSpPr>
+            <a:cxnSpLocks/>
+            <a:stCxn id="34" idx="3"/>
+          </p:cNvCxnSpPr>
+          <p:nvPr/>
+        </p:nvCxnSpPr>
+        <p:spPr>
+          <a:xfrm>
+            <a:off x="2731405" y="3129697"/>
+            <a:ext cx="0" cy="336877"/>
+          </a:xfrm>
+          <a:prstGeom prst="line">
+            <a:avLst/>
+          </a:prstGeom>
+        </p:spPr>
+        <p:style>
+          <a:lnRef idx="1">
+            <a:schemeClr val="accent1"/>
+          </a:lnRef>
+          <a:fillRef idx="0">
+            <a:schemeClr val="accent1"/>
+          </a:fillRef>
+          <a:effectRef idx="0">
+            <a:schemeClr val="accent1"/>
+          </a:effectRef>
+          <a:fontRef idx="minor">
+            <a:schemeClr val="tx1"/>
+          </a:fontRef>
+        </p:style>
+      </p:cxnSp>
+      <p:cxnSp>
+        <p:nvCxnSpPr>
+          <p:cNvPr id="77" name="Straight Connector 76">
+            <a:extLst>
+              <a:ext uri="{FF2B5EF4-FFF2-40B4-BE49-F238E27FC236}">
+                <a16:creationId xmlns:a16="http://schemas.microsoft.com/office/drawing/2014/main" id="{2D4C8ED0-D57B-45CE-8940-5C2424BA64B0}"/>
+              </a:ext>
+            </a:extLst>
+          </p:cNvPr>
+          <p:cNvCxnSpPr>
+            <a:cxnSpLocks/>
+          </p:cNvCxnSpPr>
+          <p:nvPr/>
+        </p:nvCxnSpPr>
+        <p:spPr>
+          <a:xfrm>
+            <a:off x="1721112" y="4145542"/>
+            <a:ext cx="1933" cy="575456"/>
+          </a:xfrm>
+          <a:prstGeom prst="line">
+            <a:avLst/>
+          </a:prstGeom>
+        </p:spPr>
+        <p:style>
+          <a:lnRef idx="1">
+            <a:schemeClr val="accent1"/>
+          </a:lnRef>
+          <a:fillRef idx="0">
+            <a:schemeClr val="accent1"/>
+          </a:fillRef>
+          <a:effectRef idx="0">
+            <a:schemeClr val="accent1"/>
+          </a:effectRef>
+          <a:fontRef idx="minor">
+            <a:schemeClr val="tx1"/>
+          </a:fontRef>
+        </p:style>
+      </p:cxnSp>
+      <p:cxnSp>
+        <p:nvCxnSpPr>
+          <p:cNvPr id="95" name="Straight Arrow Connector 94">
+            <a:extLst>
+              <a:ext uri="{FF2B5EF4-FFF2-40B4-BE49-F238E27FC236}">
+                <a16:creationId xmlns:a16="http://schemas.microsoft.com/office/drawing/2014/main" id="{CB9B1AA0-DE09-4536-A7AD-0375DD8C1F7C}"/>
+              </a:ext>
+            </a:extLst>
+          </p:cNvPr>
+          <p:cNvCxnSpPr/>
+          <p:nvPr/>
+        </p:nvCxnSpPr>
+        <p:spPr>
+          <a:xfrm>
+            <a:off x="1721112" y="4307117"/>
+            <a:ext cx="0" cy="468559"/>
+          </a:xfrm>
+          <a:prstGeom prst="straightConnector1">
+            <a:avLst/>
+          </a:prstGeom>
+          <a:ln>
+            <a:tailEnd type="triangle"/>
+          </a:ln>
+        </p:spPr>
+        <p:style>
+          <a:lnRef idx="1">
+            <a:schemeClr val="accent1"/>
+          </a:lnRef>
+          <a:fillRef idx="0">
+            <a:schemeClr val="accent1"/>
+          </a:fillRef>
+          <a:effectRef idx="0">
+            <a:schemeClr val="accent1"/>
+          </a:effectRef>
+          <a:fontRef idx="minor">
+            <a:schemeClr val="tx1"/>
+          </a:fontRef>
+        </p:style>
+      </p:cxnSp>
+      <p:cxnSp>
+        <p:nvCxnSpPr>
+          <p:cNvPr id="196" name="Straight Arrow Connector 195">
+            <a:extLst>
+              <a:ext uri="{FF2B5EF4-FFF2-40B4-BE49-F238E27FC236}">
+                <a16:creationId xmlns:a16="http://schemas.microsoft.com/office/drawing/2014/main" id="{E32AD067-ABAD-4CF6-A0ED-809B4FDD4BB8}"/>
+              </a:ext>
+            </a:extLst>
+          </p:cNvPr>
+          <p:cNvCxnSpPr>
+            <a:cxnSpLocks/>
+          </p:cNvCxnSpPr>
+          <p:nvPr/>
+        </p:nvCxnSpPr>
+        <p:spPr>
+          <a:xfrm>
+            <a:off x="2766524" y="4139165"/>
+            <a:ext cx="0" cy="636511"/>
+          </a:xfrm>
+          <a:prstGeom prst="straightConnector1">
+            <a:avLst/>
+          </a:prstGeom>
+          <a:ln>
+            <a:tailEnd type="triangle"/>
+          </a:ln>
+        </p:spPr>
+        <p:style>
+          <a:lnRef idx="1">
+            <a:schemeClr val="accent1"/>
+          </a:lnRef>
+          <a:fillRef idx="0">
+            <a:schemeClr val="accent1"/>
+          </a:fillRef>
+          <a:effectRef idx="0">
+            <a:schemeClr val="accent1"/>
+          </a:effectRef>
+          <a:fontRef idx="minor">
+            <a:schemeClr val="tx1"/>
+          </a:fontRef>
+        </p:style>
+      </p:cxnSp>
+      <p:cxnSp>
+        <p:nvCxnSpPr>
+          <p:cNvPr id="204" name="Straight Connector 203">
+            <a:extLst>
+              <a:ext uri="{FF2B5EF4-FFF2-40B4-BE49-F238E27FC236}">
+                <a16:creationId xmlns:a16="http://schemas.microsoft.com/office/drawing/2014/main" id="{CF9FE627-3102-4D4C-9039-B130E8FF6A7A}"/>
+              </a:ext>
+            </a:extLst>
+          </p:cNvPr>
+          <p:cNvCxnSpPr>
+            <a:cxnSpLocks/>
+          </p:cNvCxnSpPr>
+          <p:nvPr/>
+        </p:nvCxnSpPr>
+        <p:spPr>
+          <a:xfrm>
+            <a:off x="1693257" y="4760780"/>
+            <a:ext cx="3160743" cy="14700"/>
+          </a:xfrm>
+          <a:prstGeom prst="line">
+            <a:avLst/>
+          </a:prstGeom>
+        </p:spPr>
+        <p:style>
+          <a:lnRef idx="1">
+            <a:schemeClr val="accent1"/>
+          </a:lnRef>
+          <a:fillRef idx="0">
+            <a:schemeClr val="accent1"/>
+          </a:fillRef>
+          <a:effectRef idx="0">
+            <a:schemeClr val="accent1"/>
+          </a:effectRef>
+          <a:fontRef idx="minor">
+            <a:schemeClr val="tx1"/>
+          </a:fontRef>
+        </p:style>
+      </p:cxnSp>
+      <p:cxnSp>
+        <p:nvCxnSpPr>
+          <p:cNvPr id="208" name="Straight Arrow Connector 207">
+            <a:extLst>
+              <a:ext uri="{FF2B5EF4-FFF2-40B4-BE49-F238E27FC236}">
+                <a16:creationId xmlns:a16="http://schemas.microsoft.com/office/drawing/2014/main" id="{77D98296-23D3-4DB4-966F-5C456C590045}"/>
+              </a:ext>
+            </a:extLst>
+          </p:cNvPr>
+          <p:cNvCxnSpPr>
+            <a:cxnSpLocks/>
+            <a:endCxn id="2" idx="3"/>
+          </p:cNvCxnSpPr>
+          <p:nvPr/>
+        </p:nvCxnSpPr>
+        <p:spPr>
+          <a:xfrm flipV="1">
+            <a:off x="4854000" y="3535748"/>
+            <a:ext cx="0" cy="1239928"/>
+          </a:xfrm>
+          <a:prstGeom prst="straightConnector1">
+            <a:avLst/>
+          </a:prstGeom>
+          <a:ln>
+            <a:tailEnd type="triangle"/>
+          </a:ln>
+        </p:spPr>
+        <p:style>
+          <a:lnRef idx="1">
+            <a:schemeClr val="accent1"/>
+          </a:lnRef>
+          <a:fillRef idx="0">
+            <a:schemeClr val="accent1"/>
+          </a:fillRef>
+          <a:effectRef idx="0">
+            <a:schemeClr val="accent1"/>
+          </a:effectRef>
+          <a:fontRef idx="minor">
+            <a:schemeClr val="tx1"/>
+          </a:fontRef>
+        </p:style>
+      </p:cxnSp>
+      <p:sp>
+        <p:nvSpPr>
+          <p:cNvPr id="5" name="TextBox 4">
+            <a:extLst>
+              <a:ext uri="{FF2B5EF4-FFF2-40B4-BE49-F238E27FC236}">
+                <a16:creationId xmlns:a16="http://schemas.microsoft.com/office/drawing/2014/main" id="{ED2B061A-F0DC-4AC0-A4E8-AFC8DCB9B62C}"/>
+              </a:ext>
+            </a:extLst>
+          </p:cNvPr>
+          <p:cNvSpPr txBox="1"/>
+          <p:nvPr/>
+        </p:nvSpPr>
+        <p:spPr>
+          <a:xfrm>
+            <a:off x="3282454" y="2011260"/>
+            <a:ext cx="1530100" cy="230832"/>
+          </a:xfrm>
+          <a:prstGeom prst="rect">
+            <a:avLst/>
+          </a:prstGeom>
+          <a:noFill/>
+        </p:spPr>
+        <p:txBody>
+          <a:bodyPr wrap="square" rtlCol="0">
+            <a:spAutoFit/>
+          </a:bodyPr>
+          <a:lstStyle/>
+          <a:p>
+            <a:r>
+              <a:rPr lang="en-US" sz="900" dirty="0">
+                <a:solidFill>
+                  <a:schemeClr val="bg1"/>
+                </a:solidFill>
+              </a:rPr>
+              <a:t>&lt;&lt;Serial Communication&gt;&gt;</a:t>
+            </a:r>
+          </a:p>
+        </p:txBody>
+      </p:sp>
+      <p:pic>
+        <p:nvPicPr>
+          <p:cNvPr id="40" name="Picture 39">
+            <a:extLst>
+              <a:ext uri="{FF2B5EF4-FFF2-40B4-BE49-F238E27FC236}">
+                <a16:creationId xmlns:a16="http://schemas.microsoft.com/office/drawing/2014/main" id="{992A96C4-0AF5-458F-A895-92FE73A801B9}"/>
+              </a:ext>
+            </a:extLst>
+          </p:cNvPr>
+          <p:cNvPicPr>
+            <a:picLocks noChangeAspect="1"/>
+          </p:cNvPicPr>
+          <p:nvPr/>
+        </p:nvPicPr>
+        <p:blipFill>
+          <a:blip r:embed="rId3"/>
+          <a:stretch>
+            <a:fillRect/>
+          </a:stretch>
+        </p:blipFill>
+        <p:spPr>
+          <a:xfrm>
+            <a:off x="216144" y="317746"/>
+            <a:ext cx="1545722" cy="2087521"/>
+          </a:xfrm>
+          <a:prstGeom prst="rect">
+            <a:avLst/>
+          </a:prstGeom>
+        </p:spPr>
+      </p:pic>
+      <p:pic>
+        <p:nvPicPr>
+          <p:cNvPr id="31" name="Picture 30">
+            <a:extLst>
+              <a:ext uri="{FF2B5EF4-FFF2-40B4-BE49-F238E27FC236}">
+                <a16:creationId xmlns:a16="http://schemas.microsoft.com/office/drawing/2014/main" id="{3007DE8A-D1E3-48A2-A68D-C23E58C2D95C}"/>
+              </a:ext>
+            </a:extLst>
+          </p:cNvPr>
+          <p:cNvPicPr>
+            <a:picLocks noChangeAspect="1"/>
+          </p:cNvPicPr>
+          <p:nvPr/>
+        </p:nvPicPr>
+        <p:blipFill>
           <a:blip r:embed="rId4"/>
           <a:stretch>
             <a:fillRect/>
@@ -10043,8 +12504,8 @@
         </p:blipFill>
         <p:spPr>
           <a:xfrm>
-            <a:off x="216144" y="317746"/>
-            <a:ext cx="1545722" cy="2087521"/>
+            <a:off x="206242" y="316956"/>
+            <a:ext cx="1555619" cy="2090516"/>
           </a:xfrm>
           <a:prstGeom prst="rect">
             <a:avLst/>
@@ -10054,7 +12515,7 @@
     </p:spTree>
     <p:extLst>
       <p:ext uri="{BB962C8B-B14F-4D97-AF65-F5344CB8AC3E}">
-        <p14:creationId xmlns:p14="http://schemas.microsoft.com/office/powerpoint/2010/main" val="1776893679"/>
+        <p14:creationId xmlns:p14="http://schemas.microsoft.com/office/powerpoint/2010/main" val="2635927636"/>
       </p:ext>
     </p:extLst>
   </p:cSld>
